--- a/jira_tutorial_7.pptx
+++ b/jira_tutorial_7.pptx
@@ -279,7 +279,7 @@
           <a:p>
             <a:fld id="{72EA7947-E287-4738-8C82-07CE4F01EF03}" type="datetime2">
               <a:rPr lang="en-US" smtClean="0"/>
-              <a:t>Saturday, January 23, 2021</a:t>
+              <a:t>Friday, January 29, 2021</a:t>
             </a:fld>
             <a:endParaRPr lang="en-US" dirty="0"/>
           </a:p>
@@ -1315,7 +1315,7 @@
           <a:p>
             <a:fld id="{EE2EBD84-71F4-4271-8C46-0D47C0A9B12E}" type="datetime2">
               <a:rPr lang="en-US" smtClean="0"/>
-              <a:t>Saturday, January 23, 2021</a:t>
+              <a:t>Friday, January 29, 2021</a:t>
             </a:fld>
             <a:endParaRPr lang="en-US"/>
           </a:p>
@@ -1526,7 +1526,7 @@
           <a:p>
             <a:fld id="{ABAE0CE1-F450-4107-B2CB-17B18F8A3F4A}" type="datetime2">
               <a:rPr lang="en-US" smtClean="0"/>
-              <a:t>Saturday, January 23, 2021</a:t>
+              <a:t>Friday, January 29, 2021</a:t>
             </a:fld>
             <a:endParaRPr lang="en-US"/>
           </a:p>
@@ -2191,7 +2191,7 @@
           <a:p>
             <a:fld id="{6FE8C025-CD7A-4966-867E-81CF82B15267}" type="datetime2">
               <a:rPr lang="en-US" smtClean="0"/>
-              <a:t>Saturday, January 23, 2021</a:t>
+              <a:t>Friday, January 29, 2021</a:t>
             </a:fld>
             <a:endParaRPr lang="en-US"/>
           </a:p>
@@ -2811,7 +2811,7 @@
           <a:p>
             <a:fld id="{FE809929-0719-4517-94D6-FDF7F99E70F6}" type="datetime2">
               <a:rPr lang="en-US" smtClean="0"/>
-              <a:t>Saturday, January 23, 2021</a:t>
+              <a:t>Friday, January 29, 2021</a:t>
             </a:fld>
             <a:endParaRPr lang="en-US"/>
           </a:p>
@@ -3929,7 +3929,7 @@
           <a:p>
             <a:fld id="{20E95673-5512-4AAA-9AEB-E00C61EC65D5}" type="datetime2">
               <a:rPr lang="en-US" smtClean="0"/>
-              <a:t>Saturday, January 23, 2021</a:t>
+              <a:t>Friday, January 29, 2021</a:t>
             </a:fld>
             <a:endParaRPr lang="en-US"/>
           </a:p>
@@ -4476,7 +4476,7 @@
           <a:p>
             <a:fld id="{C13138FA-2E87-4873-8BBA-13E447C9A99A}" type="datetime2">
               <a:rPr lang="en-US" smtClean="0"/>
-              <a:t>Saturday, January 23, 2021</a:t>
+              <a:t>Friday, January 29, 2021</a:t>
             </a:fld>
             <a:endParaRPr lang="en-US"/>
           </a:p>
@@ -4637,7 +4637,7 @@
           <a:p>
             <a:fld id="{D75BB40A-97BD-4BFB-B639-0BFF95FDE8B7}" type="datetime2">
               <a:rPr lang="en-US" smtClean="0"/>
-              <a:t>Saturday, January 23, 2021</a:t>
+              <a:t>Friday, January 29, 2021</a:t>
             </a:fld>
             <a:endParaRPr lang="en-US"/>
           </a:p>
@@ -5672,7 +5672,7 @@
           <a:p>
             <a:fld id="{9EE9E0E3-ECF6-4CFE-8698-AEFEBCECC3C0}" type="datetime2">
               <a:rPr lang="en-US" smtClean="0"/>
-              <a:t>Saturday, January 23, 2021</a:t>
+              <a:t>Friday, January 29, 2021</a:t>
             </a:fld>
             <a:endParaRPr lang="en-US"/>
           </a:p>
@@ -6318,7 +6318,7 @@
           <a:p>
             <a:fld id="{251462FC-960E-4740-921F-B36862979F21}" type="datetime2">
               <a:rPr lang="en-US" smtClean="0"/>
-              <a:t>Saturday, January 23, 2021</a:t>
+              <a:t>Friday, January 29, 2021</a:t>
             </a:fld>
             <a:endParaRPr lang="en-US"/>
           </a:p>
@@ -7082,7 +7082,7 @@
           <a:p>
             <a:fld id="{E50BC9E2-CB44-4C05-9BB5-496C18A241E0}" type="datetime2">
               <a:rPr lang="en-US" smtClean="0"/>
-              <a:t>Saturday, January 23, 2021</a:t>
+              <a:t>Friday, January 29, 2021</a:t>
             </a:fld>
             <a:endParaRPr lang="en-US"/>
           </a:p>
@@ -7335,7 +7335,7 @@
           <a:p>
             <a:fld id="{246CB39B-5F4C-4A7E-9BE3-AAFD45576D16}" type="datetime2">
               <a:rPr lang="en-US" smtClean="0"/>
-              <a:t>Saturday, January 23, 2021</a:t>
+              <a:t>Friday, January 29, 2021</a:t>
             </a:fld>
             <a:endParaRPr lang="en-US" dirty="0"/>
           </a:p>
@@ -8319,12 +8319,12 @@
           <a:chExt cx="0" cy="0"/>
         </a:xfrm>
       </p:grpSpPr>
-      <p:sp>
+      <p:sp useBgFill="1">
         <p:nvSpPr>
-          <p:cNvPr id="92" name="Freeform: Shape 91">
-            <a:extLst>
-              <a:ext uri="{FF2B5EF4-FFF2-40B4-BE49-F238E27FC236}">
-                <a16:creationId xmlns:a16="http://schemas.microsoft.com/office/drawing/2014/main" id="{82184FF4-7029-4ED7-813A-192E60608764}"/>
+          <p:cNvPr id="113" name="Rectangle 112">
+            <a:extLst>
+              <a:ext uri="{FF2B5EF4-FFF2-40B4-BE49-F238E27FC236}">
+                <a16:creationId xmlns:a16="http://schemas.microsoft.com/office/drawing/2014/main" id="{A5931BE0-4B93-4D6C-878E-ACC59D6B4587}"/>
               </a:ext>
               <a:ext uri="{C183D7F6-B498-43B3-948B-1728B52AA6E4}">
                 <adec:decorative xmlns:adec="http://schemas.microsoft.com/office/drawing/2017/decorative" val="1"/>
@@ -8343,95 +8343,32 @@
           </p:nvPr>
         </p:nvSpPr>
         <p:spPr>
-          <a:xfrm rot="2700000">
-            <a:off x="612445" y="481888"/>
-            <a:ext cx="1080000" cy="1262947"/>
+          <a:xfrm>
+            <a:off x="0" y="0"/>
+            <a:ext cx="12192000" cy="6858000"/>
           </a:xfrm>
-          <a:custGeom>
+          <a:prstGeom prst="rect">
             <a:avLst/>
-            <a:gdLst/>
-            <a:ahLst/>
-            <a:cxnLst/>
-            <a:rect l="l" t="t" r="r" b="b"/>
-            <a:pathLst>
-              <a:path w="1080000" h="1262947">
-                <a:moveTo>
-                  <a:pt x="540000" y="0"/>
-                </a:moveTo>
-                <a:lnTo>
-                  <a:pt x="1064374" y="931034"/>
-                </a:lnTo>
-                <a:lnTo>
-                  <a:pt x="1069029" y="938533"/>
-                </a:lnTo>
-                <a:cubicBezTo>
-                  <a:pt x="1076223" y="956109"/>
-                  <a:pt x="1080000" y="974307"/>
-                  <a:pt x="1080000" y="992947"/>
-                </a:cubicBezTo>
-                <a:cubicBezTo>
-                  <a:pt x="1080000" y="1142064"/>
-                  <a:pt x="838234" y="1262947"/>
-                  <a:pt x="540000" y="1262947"/>
-                </a:cubicBezTo>
-                <a:cubicBezTo>
-                  <a:pt x="241766" y="1262947"/>
-                  <a:pt x="0" y="1142064"/>
-                  <a:pt x="0" y="992947"/>
-                </a:cubicBezTo>
-                <a:cubicBezTo>
-                  <a:pt x="0" y="974307"/>
-                  <a:pt x="3778" y="956109"/>
-                  <a:pt x="10971" y="938533"/>
-                </a:cubicBezTo>
-                <a:lnTo>
-                  <a:pt x="15626" y="931034"/>
-                </a:lnTo>
-                <a:lnTo>
-                  <a:pt x="540000" y="0"/>
-                </a:lnTo>
-                <a:close/>
-              </a:path>
-            </a:pathLst>
-          </a:custGeom>
-          <a:gradFill>
-            <a:gsLst>
-              <a:gs pos="60000">
-                <a:schemeClr val="bg2">
-                  <a:lumMod val="90000"/>
-                  <a:lumOff val="10000"/>
-                </a:schemeClr>
-              </a:gs>
-              <a:gs pos="30000">
-                <a:schemeClr val="bg2">
-                  <a:lumMod val="90000"/>
-                  <a:lumOff val="10000"/>
-                </a:schemeClr>
-              </a:gs>
-              <a:gs pos="40000">
-                <a:schemeClr val="bg2">
-                  <a:lumMod val="75000"/>
-                  <a:lumOff val="25000"/>
-                </a:schemeClr>
-              </a:gs>
-              <a:gs pos="100000">
-                <a:schemeClr val="bg2"/>
-              </a:gs>
-            </a:gsLst>
-            <a:lin ang="600000" scaled="0"/>
-          </a:gradFill>
-          <a:ln>
+          </a:prstGeom>
+          <a:ln w="12700" cap="flat" cmpd="sng" algn="ctr">
             <a:noFill/>
+            <a:prstDash val="solid"/>
+            <a:miter lim="800000"/>
           </a:ln>
-          <a:effectLst>
-            <a:innerShdw blurRad="254000" dist="101600" dir="2700000">
-              <a:schemeClr val="accent1">
-                <a:lumMod val="60000"/>
-                <a:lumOff val="40000"/>
-                <a:alpha val="40000"/>
-              </a:schemeClr>
-            </a:innerShdw>
-          </a:effectLst>
+          <a:effectLst/>
+          <a:extLst>
+            <a:ext uri="{91240B29-F687-4F45-9708-019B960494DF}">
+              <a14:hiddenLine xmlns:a14="http://schemas.microsoft.com/office/drawing/2010/main" w="12700" cap="flat" cmpd="sng" algn="ctr">
+                <a:solidFill>
+                  <a:schemeClr val="accent1">
+                    <a:shade val="50000"/>
+                  </a:schemeClr>
+                </a:solidFill>
+                <a:prstDash val="solid"/>
+                <a:miter lim="800000"/>
+              </a14:hiddenLine>
+            </a:ext>
+          </a:extLst>
         </p:spPr>
         <p:style>
           <a:lnRef idx="2">
@@ -8450,12 +8387,7 @@
           </a:fontRef>
         </p:style>
         <p:txBody>
-          <a:bodyPr rot="0" spcFirstLastPara="0" vertOverflow="overflow" horzOverflow="overflow" vert="horz" wrap="square" lIns="91440" tIns="45720" rIns="91440" bIns="45720" numCol="1" spcCol="0" rtlCol="0" fromWordArt="0" anchor="ctr" anchorCtr="0" forceAA="0" compatLnSpc="1">
-            <a:prstTxWarp prst="textNoShape">
-              <a:avLst/>
-            </a:prstTxWarp>
-            <a:noAutofit/>
-          </a:bodyPr>
+          <a:bodyPr rtlCol="0" anchor="ctr"/>
           <a:lstStyle/>
           <a:p>
             <a:pPr algn="ctr"/>
@@ -8465,19 +8397,62 @@
       </p:sp>
       <p:sp>
         <p:nvSpPr>
-          <p:cNvPr id="94" name="Oval 93">
-            <a:extLst>
-              <a:ext uri="{FF2B5EF4-FFF2-40B4-BE49-F238E27FC236}">
-                <a16:creationId xmlns:a16="http://schemas.microsoft.com/office/drawing/2014/main" id="{AAA7AB09-557C-41AD-9113-FF9F68FA1035}"/>
+          <p:cNvPr id="7" name="Title 6">
+            <a:extLst>
+              <a:ext uri="{FF2B5EF4-FFF2-40B4-BE49-F238E27FC236}">
+                <a16:creationId xmlns:a16="http://schemas.microsoft.com/office/drawing/2014/main" id="{5BFD82EF-2B14-B44B-BE71-9C4ED1A1DF98}"/>
+              </a:ext>
+            </a:extLst>
+          </p:cNvPr>
+          <p:cNvSpPr>
+            <a:spLocks noGrp="1"/>
+          </p:cNvSpPr>
+          <p:nvPr>
+            <p:ph type="title"/>
+          </p:nvPr>
+        </p:nvSpPr>
+        <p:spPr>
+          <a:xfrm>
+            <a:off x="550864" y="549275"/>
+            <a:ext cx="3565524" cy="1997855"/>
+          </a:xfrm>
+        </p:spPr>
+        <p:txBody>
+          <a:bodyPr vert="horz" wrap="square" lIns="0" tIns="0" rIns="0" bIns="0" rtlCol="0" anchor="b" anchorCtr="0">
+            <a:normAutofit/>
+          </a:bodyPr>
+          <a:lstStyle/>
+          <a:p>
+            <a:r>
+              <a:rPr lang="en-US" sz="4400"/>
+              <a:t>Edit  comments from </a:t>
+            </a:r>
+            <a:r>
+              <a:rPr lang="en-US" sz="4400" err="1"/>
+              <a:t>jira</a:t>
+            </a:r>
+            <a:r>
+              <a:rPr lang="en-US" sz="4400"/>
+              <a:t> issue</a:t>
+            </a:r>
+          </a:p>
+        </p:txBody>
+      </p:sp>
+      <p:grpSp>
+        <p:nvGrpSpPr>
+          <p:cNvPr id="115" name="Group 114">
+            <a:extLst>
+              <a:ext uri="{FF2B5EF4-FFF2-40B4-BE49-F238E27FC236}">
+                <a16:creationId xmlns:a16="http://schemas.microsoft.com/office/drawing/2014/main" id="{9F2D4ED5-DC78-4C88-97AA-483206C53E90}"/>
               </a:ext>
               <a:ext uri="{C183D7F6-B498-43B3-948B-1728B52AA6E4}">
                 <adec:decorative xmlns:adec="http://schemas.microsoft.com/office/drawing/2017/decorative" val="1"/>
               </a:ext>
             </a:extLst>
           </p:cNvPr>
-          <p:cNvSpPr>
-            <a:spLocks noGrp="1" noRot="1" noChangeAspect="1" noMove="1" noResize="1" noEditPoints="1" noAdjustHandles="1" noChangeArrowheads="1" noChangeShapeType="1" noTextEdit="1"/>
-          </p:cNvSpPr>
+          <p:cNvGrpSpPr>
+            <a:grpSpLocks noGrp="1" noUngrp="1" noRot="1" noChangeAspect="1" noMove="1" noResize="1"/>
+          </p:cNvGrpSpPr>
           <p:nvPr>
             <p:extLst>
               <p:ext uri="{386F3935-93C4-4BCD-93E2-E3B085C9AB24}">
@@ -8485,81 +8460,487 @@
               </p:ext>
             </p:extLst>
           </p:nvPr>
-        </p:nvSpPr>
-        <p:spPr>
-          <a:xfrm rot="8100000">
-            <a:off x="626845" y="828962"/>
-            <a:ext cx="540000" cy="1080000"/>
+        </p:nvGrpSpPr>
+        <p:grpSpPr>
+          <a:xfrm>
+            <a:off x="10570793" y="0"/>
+            <a:ext cx="1468514" cy="1521012"/>
+            <a:chOff x="5236793" y="2432482"/>
+            <a:chExt cx="1468514" cy="1521012"/>
           </a:xfrm>
-          <a:prstGeom prst="ellipse">
-            <a:avLst/>
-          </a:prstGeom>
-          <a:gradFill>
-            <a:gsLst>
-              <a:gs pos="100000">
+        </p:grpSpPr>
+        <p:sp>
+          <p:nvSpPr>
+            <p:cNvPr id="116" name="Freeform 5">
+              <a:extLst>
+                <a:ext uri="{FF2B5EF4-FFF2-40B4-BE49-F238E27FC236}">
+                  <a16:creationId xmlns:a16="http://schemas.microsoft.com/office/drawing/2014/main" id="{0DE0B65A-4839-40B2-BA92-1464FEADBA4A}"/>
+                </a:ext>
+                <a:ext uri="{C183D7F6-B498-43B3-948B-1728B52AA6E4}">
+                  <adec:decorative xmlns:adec="http://schemas.microsoft.com/office/drawing/2017/decorative" val="1"/>
+                </a:ext>
+              </a:extLst>
+            </p:cNvPr>
+            <p:cNvSpPr>
+              <a:spLocks/>
+            </p:cNvSpPr>
+            <p:nvPr>
+              <p:extLst>
+                <p:ext uri="{386F3935-93C4-4BCD-93E2-E3B085C9AB24}">
+                  <p16:designElem xmlns:p16="http://schemas.microsoft.com/office/powerpoint/2015/main" val="1"/>
+                </p:ext>
+              </p:extLst>
+            </p:nvPr>
+          </p:nvSpPr>
+          <p:spPr bwMode="auto">
+            <a:xfrm rot="1800000">
+              <a:off x="5463135" y="2432482"/>
+              <a:ext cx="1242172" cy="729202"/>
+            </a:xfrm>
+            <a:custGeom>
+              <a:avLst/>
+              <a:gdLst>
+                <a:gd name="T0" fmla="*/ 266 w 540"/>
+                <a:gd name="T1" fmla="*/ 0 h 317"/>
+                <a:gd name="T2" fmla="*/ 0 w 540"/>
+                <a:gd name="T3" fmla="*/ 158 h 317"/>
+                <a:gd name="T4" fmla="*/ 266 w 540"/>
+                <a:gd name="T5" fmla="*/ 317 h 317"/>
+                <a:gd name="T6" fmla="*/ 540 w 540"/>
+                <a:gd name="T7" fmla="*/ 158 h 317"/>
+                <a:gd name="T8" fmla="*/ 266 w 540"/>
+                <a:gd name="T9" fmla="*/ 0 h 317"/>
+              </a:gdLst>
+              <a:ahLst/>
+              <a:cxnLst>
+                <a:cxn ang="0">
+                  <a:pos x="T0" y="T1"/>
+                </a:cxn>
+                <a:cxn ang="0">
+                  <a:pos x="T2" y="T3"/>
+                </a:cxn>
+                <a:cxn ang="0">
+                  <a:pos x="T4" y="T5"/>
+                </a:cxn>
+                <a:cxn ang="0">
+                  <a:pos x="T6" y="T7"/>
+                </a:cxn>
+                <a:cxn ang="0">
+                  <a:pos x="T8" y="T9"/>
+                </a:cxn>
+              </a:cxnLst>
+              <a:rect l="0" t="0" r="r" b="b"/>
+              <a:pathLst>
+                <a:path w="540" h="317">
+                  <a:moveTo>
+                    <a:pt x="266" y="0"/>
+                  </a:moveTo>
+                  <a:lnTo>
+                    <a:pt x="0" y="158"/>
+                  </a:lnTo>
+                  <a:lnTo>
+                    <a:pt x="266" y="317"/>
+                  </a:lnTo>
+                  <a:lnTo>
+                    <a:pt x="540" y="158"/>
+                  </a:lnTo>
+                  <a:lnTo>
+                    <a:pt x="266" y="0"/>
+                  </a:lnTo>
+                  <a:close/>
+                </a:path>
+              </a:pathLst>
+            </a:custGeom>
+            <a:gradFill flip="none" rotWithShape="1">
+              <a:gsLst>
+                <a:gs pos="20000">
+                  <a:schemeClr val="bg2">
+                    <a:lumMod val="90000"/>
+                    <a:lumOff val="10000"/>
+                    <a:alpha val="20000"/>
+                  </a:schemeClr>
+                </a:gs>
+                <a:gs pos="100000">
+                  <a:schemeClr val="accent1">
+                    <a:lumMod val="60000"/>
+                    <a:lumOff val="40000"/>
+                    <a:alpha val="40000"/>
+                  </a:schemeClr>
+                </a:gs>
+              </a:gsLst>
+              <a:lin ang="0" scaled="0"/>
+              <a:tileRect/>
+            </a:gradFill>
+            <a:ln>
+              <a:noFill/>
+            </a:ln>
+            <a:effectLst>
+              <a:innerShdw blurRad="254000">
                 <a:schemeClr val="bg2">
                   <a:lumMod val="90000"/>
                   <a:lumOff val="10000"/>
                 </a:schemeClr>
-              </a:gs>
-              <a:gs pos="50000">
+              </a:innerShdw>
+            </a:effectLst>
+          </p:spPr>
+          <p:style>
+            <a:lnRef idx="2">
+              <a:schemeClr val="accent1">
+                <a:shade val="50000"/>
+              </a:schemeClr>
+            </a:lnRef>
+            <a:fillRef idx="1">
+              <a:schemeClr val="accent1"/>
+            </a:fillRef>
+            <a:effectRef idx="0">
+              <a:schemeClr val="accent1"/>
+            </a:effectRef>
+            <a:fontRef idx="minor">
+              <a:schemeClr val="lt1"/>
+            </a:fontRef>
+          </p:style>
+          <p:txBody>
+            <a:bodyPr rot="0" spcFirstLastPara="0" vertOverflow="overflow" horzOverflow="overflow" vert="horz" wrap="square" lIns="91440" tIns="45720" rIns="91440" bIns="45720" numCol="1" spcCol="0" rtlCol="0" fromWordArt="0" anchor="ctr" anchorCtr="0" forceAA="0" compatLnSpc="1">
+              <a:prstTxWarp prst="textNoShape">
+                <a:avLst/>
+              </a:prstTxWarp>
+              <a:noAutofit/>
+            </a:bodyPr>
+            <a:lstStyle/>
+            <a:p>
+              <a:pPr algn="ctr"/>
+              <a:endParaRPr lang="en-US"/>
+            </a:p>
+          </p:txBody>
+        </p:sp>
+        <p:sp>
+          <p:nvSpPr>
+            <p:cNvPr id="117" name="Freeform 6">
+              <a:extLst>
+                <a:ext uri="{FF2B5EF4-FFF2-40B4-BE49-F238E27FC236}">
+                  <a16:creationId xmlns:a16="http://schemas.microsoft.com/office/drawing/2014/main" id="{842A0A68-39DD-4DA7-BAD5-63B9C1398718}"/>
+                </a:ext>
+                <a:ext uri="{C183D7F6-B498-43B3-948B-1728B52AA6E4}">
+                  <adec:decorative xmlns:adec="http://schemas.microsoft.com/office/drawing/2017/decorative" val="1"/>
+                </a:ext>
+              </a:extLst>
+            </p:cNvPr>
+            <p:cNvSpPr>
+              <a:spLocks/>
+            </p:cNvSpPr>
+            <p:nvPr>
+              <p:extLst>
+                <p:ext uri="{386F3935-93C4-4BCD-93E2-E3B085C9AB24}">
+                  <p16:designElem xmlns:p16="http://schemas.microsoft.com/office/powerpoint/2015/main" val="1"/>
+                </p:ext>
+              </p:extLst>
+            </p:nvPr>
+          </p:nvSpPr>
+          <p:spPr bwMode="auto">
+            <a:xfrm rot="1800000">
+              <a:off x="5236793" y="2566400"/>
+              <a:ext cx="611884" cy="1076550"/>
+            </a:xfrm>
+            <a:custGeom>
+              <a:avLst/>
+              <a:gdLst>
+                <a:gd name="T0" fmla="*/ 266 w 266"/>
+                <a:gd name="T1" fmla="*/ 468 h 468"/>
+                <a:gd name="T2" fmla="*/ 0 w 266"/>
+                <a:gd name="T3" fmla="*/ 310 h 468"/>
+                <a:gd name="T4" fmla="*/ 0 w 266"/>
+                <a:gd name="T5" fmla="*/ 310 h 468"/>
+                <a:gd name="T6" fmla="*/ 0 w 266"/>
+                <a:gd name="T7" fmla="*/ 0 h 468"/>
+                <a:gd name="T8" fmla="*/ 0 w 266"/>
+                <a:gd name="T9" fmla="*/ 0 h 468"/>
+                <a:gd name="T10" fmla="*/ 266 w 266"/>
+                <a:gd name="T11" fmla="*/ 159 h 468"/>
+                <a:gd name="T12" fmla="*/ 266 w 266"/>
+                <a:gd name="T13" fmla="*/ 468 h 468"/>
+              </a:gdLst>
+              <a:ahLst/>
+              <a:cxnLst>
+                <a:cxn ang="0">
+                  <a:pos x="T0" y="T1"/>
+                </a:cxn>
+                <a:cxn ang="0">
+                  <a:pos x="T2" y="T3"/>
+                </a:cxn>
+                <a:cxn ang="0">
+                  <a:pos x="T4" y="T5"/>
+                </a:cxn>
+                <a:cxn ang="0">
+                  <a:pos x="T6" y="T7"/>
+                </a:cxn>
+                <a:cxn ang="0">
+                  <a:pos x="T8" y="T9"/>
+                </a:cxn>
+                <a:cxn ang="0">
+                  <a:pos x="T10" y="T11"/>
+                </a:cxn>
+                <a:cxn ang="0">
+                  <a:pos x="T12" y="T13"/>
+                </a:cxn>
+              </a:cxnLst>
+              <a:rect l="0" t="0" r="r" b="b"/>
+              <a:pathLst>
+                <a:path w="266" h="468">
+                  <a:moveTo>
+                    <a:pt x="266" y="468"/>
+                  </a:moveTo>
+                  <a:lnTo>
+                    <a:pt x="0" y="310"/>
+                  </a:lnTo>
+                  <a:lnTo>
+                    <a:pt x="0" y="310"/>
+                  </a:lnTo>
+                  <a:lnTo>
+                    <a:pt x="0" y="0"/>
+                  </a:lnTo>
+                  <a:lnTo>
+                    <a:pt x="0" y="0"/>
+                  </a:lnTo>
+                  <a:lnTo>
+                    <a:pt x="266" y="159"/>
+                  </a:lnTo>
+                  <a:lnTo>
+                    <a:pt x="266" y="468"/>
+                  </a:lnTo>
+                  <a:close/>
+                </a:path>
+              </a:pathLst>
+            </a:custGeom>
+            <a:gradFill flip="none" rotWithShape="1">
+              <a:gsLst>
+                <a:gs pos="20000">
+                  <a:schemeClr val="bg2">
+                    <a:lumMod val="90000"/>
+                    <a:lumOff val="10000"/>
+                    <a:alpha val="20000"/>
+                  </a:schemeClr>
+                </a:gs>
+                <a:gs pos="100000">
+                  <a:schemeClr val="accent1">
+                    <a:lumMod val="60000"/>
+                    <a:lumOff val="40000"/>
+                    <a:alpha val="40000"/>
+                  </a:schemeClr>
+                </a:gs>
+              </a:gsLst>
+              <a:lin ang="19800000" scaled="0"/>
+              <a:tileRect/>
+            </a:gradFill>
+            <a:ln>
+              <a:noFill/>
+            </a:ln>
+            <a:effectLst>
+              <a:innerShdw blurRad="254000">
                 <a:schemeClr val="bg2">
-                  <a:lumMod val="95000"/>
-                  <a:lumOff val="5000"/>
+                  <a:lumMod val="90000"/>
+                  <a:lumOff val="10000"/>
                 </a:schemeClr>
-              </a:gs>
-            </a:gsLst>
-            <a:lin ang="5400000" scaled="0"/>
-          </a:gradFill>
-          <a:ln>
-            <a:noFill/>
-          </a:ln>
-          <a:effectLst>
-            <a:innerShdw blurRad="1270000" dist="2540000">
+              </a:innerShdw>
+            </a:effectLst>
+          </p:spPr>
+          <p:style>
+            <a:lnRef idx="2">
               <a:schemeClr val="accent1">
-                <a:lumMod val="60000"/>
-                <a:lumOff val="40000"/>
-                <a:alpha val="0"/>
+                <a:shade val="50000"/>
               </a:schemeClr>
-            </a:innerShdw>
-          </a:effectLst>
-        </p:spPr>
-        <p:style>
-          <a:lnRef idx="2">
-            <a:schemeClr val="accent1">
-              <a:shade val="50000"/>
-            </a:schemeClr>
-          </a:lnRef>
-          <a:fillRef idx="1">
-            <a:schemeClr val="accent1"/>
-          </a:fillRef>
-          <a:effectRef idx="0">
-            <a:schemeClr val="accent1"/>
-          </a:effectRef>
-          <a:fontRef idx="minor">
-            <a:schemeClr val="lt1"/>
-          </a:fontRef>
-        </p:style>
-        <p:txBody>
-          <a:bodyPr rot="0" spcFirstLastPara="0" vertOverflow="overflow" horzOverflow="overflow" vert="horz" wrap="square" lIns="91440" tIns="45720" rIns="91440" bIns="45720" numCol="1" spcCol="0" rtlCol="0" fromWordArt="0" anchor="ctr" anchorCtr="0" forceAA="0" compatLnSpc="1">
-            <a:prstTxWarp prst="textNoShape">
+            </a:lnRef>
+            <a:fillRef idx="1">
+              <a:schemeClr val="accent1"/>
+            </a:fillRef>
+            <a:effectRef idx="0">
+              <a:schemeClr val="accent1"/>
+            </a:effectRef>
+            <a:fontRef idx="minor">
+              <a:schemeClr val="lt1"/>
+            </a:fontRef>
+          </p:style>
+          <p:txBody>
+            <a:bodyPr rot="0" spcFirstLastPara="0" vertOverflow="overflow" horzOverflow="overflow" vert="horz" wrap="square" lIns="91440" tIns="45720" rIns="91440" bIns="45720" numCol="1" spcCol="0" rtlCol="0" fromWordArt="0" anchor="ctr" anchorCtr="0" forceAA="0" compatLnSpc="1">
+              <a:prstTxWarp prst="textNoShape">
+                <a:avLst/>
+              </a:prstTxWarp>
+              <a:noAutofit/>
+            </a:bodyPr>
+            <a:lstStyle/>
+            <a:p>
+              <a:pPr algn="ctr"/>
+              <a:endParaRPr lang="en-US"/>
+            </a:p>
+          </p:txBody>
+        </p:sp>
+        <p:sp>
+          <p:nvSpPr>
+            <p:cNvPr id="118" name="Freeform 8">
+              <a:extLst>
+                <a:ext uri="{FF2B5EF4-FFF2-40B4-BE49-F238E27FC236}">
+                  <a16:creationId xmlns:a16="http://schemas.microsoft.com/office/drawing/2014/main" id="{21A69E50-7E10-45C3-B4F2-19DBA7748498}"/>
+                </a:ext>
+                <a:ext uri="{C183D7F6-B498-43B3-948B-1728B52AA6E4}">
+                  <adec:decorative xmlns:adec="http://schemas.microsoft.com/office/drawing/2017/decorative" val="1"/>
+                </a:ext>
+              </a:extLst>
+            </p:cNvPr>
+            <p:cNvSpPr>
+              <a:spLocks/>
+            </p:cNvSpPr>
+            <p:nvPr>
+              <p:extLst>
+                <p:ext uri="{386F3935-93C4-4BCD-93E2-E3B085C9AB24}">
+                  <p16:designElem xmlns:p16="http://schemas.microsoft.com/office/powerpoint/2015/main" val="1"/>
+                </p:ext>
+              </p:extLst>
+            </p:nvPr>
+          </p:nvSpPr>
+          <p:spPr bwMode="auto">
+            <a:xfrm rot="1800000">
+              <a:off x="5765469" y="2876944"/>
+              <a:ext cx="630288" cy="1076550"/>
+            </a:xfrm>
+            <a:custGeom>
               <a:avLst/>
-            </a:prstTxWarp>
-            <a:noAutofit/>
-          </a:bodyPr>
-          <a:lstStyle/>
-          <a:p>
-            <a:pPr algn="ctr"/>
-            <a:endParaRPr lang="en-US"/>
-          </a:p>
-        </p:txBody>
-      </p:sp>
+              <a:gdLst>
+                <a:gd name="T0" fmla="*/ 274 w 274"/>
+                <a:gd name="T1" fmla="*/ 0 h 468"/>
+                <a:gd name="T2" fmla="*/ 274 w 274"/>
+                <a:gd name="T3" fmla="*/ 310 h 468"/>
+                <a:gd name="T4" fmla="*/ 274 w 274"/>
+                <a:gd name="T5" fmla="*/ 310 h 468"/>
+                <a:gd name="T6" fmla="*/ 0 w 274"/>
+                <a:gd name="T7" fmla="*/ 468 h 468"/>
+                <a:gd name="T8" fmla="*/ 0 w 274"/>
+                <a:gd name="T9" fmla="*/ 159 h 468"/>
+                <a:gd name="T10" fmla="*/ 274 w 274"/>
+                <a:gd name="T11" fmla="*/ 0 h 468"/>
+                <a:gd name="T12" fmla="*/ 274 w 274"/>
+                <a:gd name="T13" fmla="*/ 0 h 468"/>
+              </a:gdLst>
+              <a:ahLst/>
+              <a:cxnLst>
+                <a:cxn ang="0">
+                  <a:pos x="T0" y="T1"/>
+                </a:cxn>
+                <a:cxn ang="0">
+                  <a:pos x="T2" y="T3"/>
+                </a:cxn>
+                <a:cxn ang="0">
+                  <a:pos x="T4" y="T5"/>
+                </a:cxn>
+                <a:cxn ang="0">
+                  <a:pos x="T6" y="T7"/>
+                </a:cxn>
+                <a:cxn ang="0">
+                  <a:pos x="T8" y="T9"/>
+                </a:cxn>
+                <a:cxn ang="0">
+                  <a:pos x="T10" y="T11"/>
+                </a:cxn>
+                <a:cxn ang="0">
+                  <a:pos x="T12" y="T13"/>
+                </a:cxn>
+              </a:cxnLst>
+              <a:rect l="0" t="0" r="r" b="b"/>
+              <a:pathLst>
+                <a:path w="274" h="468">
+                  <a:moveTo>
+                    <a:pt x="274" y="0"/>
+                  </a:moveTo>
+                  <a:lnTo>
+                    <a:pt x="274" y="310"/>
+                  </a:lnTo>
+                  <a:lnTo>
+                    <a:pt x="274" y="310"/>
+                  </a:lnTo>
+                  <a:lnTo>
+                    <a:pt x="0" y="468"/>
+                  </a:lnTo>
+                  <a:lnTo>
+                    <a:pt x="0" y="159"/>
+                  </a:lnTo>
+                  <a:lnTo>
+                    <a:pt x="274" y="0"/>
+                  </a:lnTo>
+                  <a:lnTo>
+                    <a:pt x="274" y="0"/>
+                  </a:lnTo>
+                  <a:close/>
+                </a:path>
+              </a:pathLst>
+            </a:custGeom>
+            <a:gradFill flip="none" rotWithShape="1">
+              <a:gsLst>
+                <a:gs pos="20000">
+                  <a:schemeClr val="bg2">
+                    <a:lumMod val="90000"/>
+                    <a:lumOff val="10000"/>
+                    <a:alpha val="20000"/>
+                  </a:schemeClr>
+                </a:gs>
+                <a:gs pos="100000">
+                  <a:schemeClr val="accent1">
+                    <a:lumMod val="40000"/>
+                    <a:lumOff val="60000"/>
+                    <a:alpha val="60000"/>
+                  </a:schemeClr>
+                </a:gs>
+              </a:gsLst>
+              <a:lin ang="18000000" scaled="0"/>
+              <a:tileRect/>
+            </a:gradFill>
+            <a:ln>
+              <a:noFill/>
+            </a:ln>
+            <a:effectLst>
+              <a:innerShdw blurRad="508000">
+                <a:schemeClr val="accent1">
+                  <a:lumMod val="60000"/>
+                  <a:lumOff val="40000"/>
+                  <a:alpha val="40000"/>
+                </a:schemeClr>
+              </a:innerShdw>
+            </a:effectLst>
+          </p:spPr>
+          <p:style>
+            <a:lnRef idx="2">
+              <a:schemeClr val="accent1">
+                <a:shade val="50000"/>
+              </a:schemeClr>
+            </a:lnRef>
+            <a:fillRef idx="1">
+              <a:schemeClr val="accent1"/>
+            </a:fillRef>
+            <a:effectRef idx="0">
+              <a:schemeClr val="accent1"/>
+            </a:effectRef>
+            <a:fontRef idx="minor">
+              <a:schemeClr val="lt1"/>
+            </a:fontRef>
+          </p:style>
+          <p:txBody>
+            <a:bodyPr rot="0" spcFirstLastPara="0" vertOverflow="overflow" horzOverflow="overflow" vert="horz" wrap="square" lIns="91440" tIns="45720" rIns="91440" bIns="45720" numCol="1" spcCol="0" rtlCol="0" fromWordArt="0" anchor="ctr" anchorCtr="0" forceAA="0" compatLnSpc="1">
+              <a:prstTxWarp prst="textNoShape">
+                <a:avLst/>
+              </a:prstTxWarp>
+              <a:noAutofit/>
+            </a:bodyPr>
+            <a:lstStyle/>
+            <a:p>
+              <a:pPr algn="ctr"/>
+              <a:endParaRPr lang="en-US"/>
+            </a:p>
+          </p:txBody>
+        </p:sp>
+      </p:grpSp>
       <p:sp>
         <p:nvSpPr>
-          <p:cNvPr id="96" name="Oval 95">
-            <a:extLst>
-              <a:ext uri="{FF2B5EF4-FFF2-40B4-BE49-F238E27FC236}">
-                <a16:creationId xmlns:a16="http://schemas.microsoft.com/office/drawing/2014/main" id="{EF99ECAA-1F11-4937-BBA6-51935AB44C9D}"/>
+          <p:cNvPr id="120" name="Oval 119">
+            <a:extLst>
+              <a:ext uri="{FF2B5EF4-FFF2-40B4-BE49-F238E27FC236}">
+                <a16:creationId xmlns:a16="http://schemas.microsoft.com/office/drawing/2014/main" id="{D166A8AB-8924-421C-BCED-B54DBC4054E0}"/>
               </a:ext>
               <a:ext uri="{C183D7F6-B498-43B3-948B-1728B52AA6E4}">
                 <adec:decorative xmlns:adec="http://schemas.microsoft.com/office/drawing/2017/decorative" val="1"/>
@@ -8579,7 +8960,7 @@
         </p:nvSpPr>
         <p:spPr>
           <a:xfrm>
-            <a:off x="1800802" y="2472855"/>
+            <a:off x="2677897" y="5497189"/>
             <a:ext cx="360000" cy="360000"/>
           </a:xfrm>
           <a:prstGeom prst="ellipse">
@@ -8646,609 +9027,6 @@
           </a:p>
         </p:txBody>
       </p:sp>
-      <p:grpSp>
-        <p:nvGrpSpPr>
-          <p:cNvPr id="98" name="Group 97">
-            <a:extLst>
-              <a:ext uri="{FF2B5EF4-FFF2-40B4-BE49-F238E27FC236}">
-                <a16:creationId xmlns:a16="http://schemas.microsoft.com/office/drawing/2014/main" id="{79DE9FAB-6BBA-4CFE-B67D-77B47F01ECA4}"/>
-              </a:ext>
-              <a:ext uri="{C183D7F6-B498-43B3-948B-1728B52AA6E4}">
-                <adec:decorative xmlns:adec="http://schemas.microsoft.com/office/drawing/2017/decorative" val="1"/>
-              </a:ext>
-            </a:extLst>
-          </p:cNvPr>
-          <p:cNvGrpSpPr>
-            <a:grpSpLocks noGrp="1" noUngrp="1" noRot="1" noChangeAspect="1" noMove="1" noResize="1"/>
-          </p:cNvGrpSpPr>
-          <p:nvPr>
-            <p:extLst>
-              <p:ext uri="{386F3935-93C4-4BCD-93E2-E3B085C9AB24}">
-                <p16:designElem xmlns:p16="http://schemas.microsoft.com/office/powerpoint/2015/main" val="1"/>
-              </p:ext>
-            </p:extLst>
-          </p:nvPr>
-        </p:nvGrpSpPr>
-        <p:grpSpPr>
-          <a:xfrm>
-            <a:off x="1329952" y="4524379"/>
-            <a:ext cx="1980001" cy="1363916"/>
-            <a:chOff x="4879602" y="3781429"/>
-            <a:chExt cx="1980001" cy="1363916"/>
-          </a:xfrm>
-        </p:grpSpPr>
-        <p:sp>
-          <p:nvSpPr>
-            <p:cNvPr id="99" name="Freeform: Shape 98">
-              <a:extLst>
-                <a:ext uri="{FF2B5EF4-FFF2-40B4-BE49-F238E27FC236}">
-                  <a16:creationId xmlns:a16="http://schemas.microsoft.com/office/drawing/2014/main" id="{79FAC916-D9BB-4794-81B4-7C47C67E850D}"/>
-                </a:ext>
-                <a:ext uri="{C183D7F6-B498-43B3-948B-1728B52AA6E4}">
-                  <adec:decorative xmlns:adec="http://schemas.microsoft.com/office/drawing/2017/decorative" val="1"/>
-                </a:ext>
-              </a:extLst>
-            </p:cNvPr>
-            <p:cNvSpPr>
-              <a:spLocks noChangeAspect="1"/>
-            </p:cNvSpPr>
-            <p:nvPr>
-              <p:extLst>
-                <p:ext uri="{386F3935-93C4-4BCD-93E2-E3B085C9AB24}">
-                  <p16:designElem xmlns:p16="http://schemas.microsoft.com/office/powerpoint/2015/main" val="1"/>
-                </p:ext>
-              </p:extLst>
-            </p:nvPr>
-          </p:nvSpPr>
-          <p:spPr>
-            <a:xfrm rot="18900000" flipV="1">
-              <a:off x="5005634" y="4191206"/>
-              <a:ext cx="1853969" cy="926985"/>
-            </a:xfrm>
-            <a:custGeom>
-              <a:avLst/>
-              <a:gdLst>
-                <a:gd name="connsiteX0" fmla="*/ 1329373 w 2658746"/>
-                <a:gd name="connsiteY0" fmla="*/ 0 h 1329373"/>
-                <a:gd name="connsiteX1" fmla="*/ 2658746 w 2658746"/>
-                <a:gd name="connsiteY1" fmla="*/ 1329373 h 1329373"/>
-                <a:gd name="connsiteX2" fmla="*/ 1994059 w 2658746"/>
-                <a:gd name="connsiteY2" fmla="*/ 1329373 h 1329373"/>
-                <a:gd name="connsiteX3" fmla="*/ 1329373 w 2658746"/>
-                <a:gd name="connsiteY3" fmla="*/ 664687 h 1329373"/>
-                <a:gd name="connsiteX4" fmla="*/ 664687 w 2658746"/>
-                <a:gd name="connsiteY4" fmla="*/ 1329373 h 1329373"/>
-                <a:gd name="connsiteX5" fmla="*/ 0 w 2658746"/>
-                <a:gd name="connsiteY5" fmla="*/ 1329373 h 1329373"/>
-                <a:gd name="connsiteX6" fmla="*/ 1329373 w 2658746"/>
-                <a:gd name="connsiteY6" fmla="*/ 0 h 1329373"/>
-              </a:gdLst>
-              <a:ahLst/>
-              <a:cxnLst>
-                <a:cxn ang="0">
-                  <a:pos x="connsiteX0" y="connsiteY0"/>
-                </a:cxn>
-                <a:cxn ang="0">
-                  <a:pos x="connsiteX1" y="connsiteY1"/>
-                </a:cxn>
-                <a:cxn ang="0">
-                  <a:pos x="connsiteX2" y="connsiteY2"/>
-                </a:cxn>
-                <a:cxn ang="0">
-                  <a:pos x="connsiteX3" y="connsiteY3"/>
-                </a:cxn>
-                <a:cxn ang="0">
-                  <a:pos x="connsiteX4" y="connsiteY4"/>
-                </a:cxn>
-                <a:cxn ang="0">
-                  <a:pos x="connsiteX5" y="connsiteY5"/>
-                </a:cxn>
-                <a:cxn ang="0">
-                  <a:pos x="connsiteX6" y="connsiteY6"/>
-                </a:cxn>
-              </a:cxnLst>
-              <a:rect l="l" t="t" r="r" b="b"/>
-              <a:pathLst>
-                <a:path w="2658746" h="1329373">
-                  <a:moveTo>
-                    <a:pt x="1329373" y="0"/>
-                  </a:moveTo>
-                  <a:cubicBezTo>
-                    <a:pt x="2063565" y="0"/>
-                    <a:pt x="2658746" y="595181"/>
-                    <a:pt x="2658746" y="1329373"/>
-                  </a:cubicBezTo>
-                  <a:lnTo>
-                    <a:pt x="1994059" y="1329373"/>
-                  </a:lnTo>
-                  <a:cubicBezTo>
-                    <a:pt x="1994059" y="962277"/>
-                    <a:pt x="1696469" y="664687"/>
-                    <a:pt x="1329373" y="664687"/>
-                  </a:cubicBezTo>
-                  <a:cubicBezTo>
-                    <a:pt x="962277" y="664687"/>
-                    <a:pt x="664687" y="962277"/>
-                    <a:pt x="664687" y="1329373"/>
-                  </a:cubicBezTo>
-                  <a:lnTo>
-                    <a:pt x="0" y="1329373"/>
-                  </a:lnTo>
-                  <a:cubicBezTo>
-                    <a:pt x="0" y="595181"/>
-                    <a:pt x="595181" y="0"/>
-                    <a:pt x="1329373" y="0"/>
-                  </a:cubicBezTo>
-                  <a:close/>
-                </a:path>
-              </a:pathLst>
-            </a:custGeom>
-            <a:solidFill>
-              <a:schemeClr val="bg2"/>
-            </a:solidFill>
-            <a:ln>
-              <a:noFill/>
-            </a:ln>
-            <a:effectLst>
-              <a:innerShdw blurRad="254000" dist="50800" dir="16200000">
-                <a:schemeClr val="accent1">
-                  <a:lumMod val="40000"/>
-                  <a:lumOff val="60000"/>
-                  <a:alpha val="40000"/>
-                </a:schemeClr>
-              </a:innerShdw>
-            </a:effectLst>
-          </p:spPr>
-          <p:style>
-            <a:lnRef idx="2">
-              <a:schemeClr val="accent1">
-                <a:shade val="50000"/>
-              </a:schemeClr>
-            </a:lnRef>
-            <a:fillRef idx="1">
-              <a:schemeClr val="accent1"/>
-            </a:fillRef>
-            <a:effectRef idx="0">
-              <a:schemeClr val="accent1"/>
-            </a:effectRef>
-            <a:fontRef idx="minor">
-              <a:schemeClr val="lt1"/>
-            </a:fontRef>
-          </p:style>
-          <p:txBody>
-            <a:bodyPr rtlCol="0" anchor="ctr"/>
-            <a:lstStyle/>
-            <a:p>
-              <a:pPr algn="ctr"/>
-              <a:endParaRPr lang="en-US" dirty="0"/>
-            </a:p>
-          </p:txBody>
-        </p:sp>
-        <p:sp>
-          <p:nvSpPr>
-            <p:cNvPr id="100" name="Freeform: Shape 99">
-              <a:extLst>
-                <a:ext uri="{FF2B5EF4-FFF2-40B4-BE49-F238E27FC236}">
-                  <a16:creationId xmlns:a16="http://schemas.microsoft.com/office/drawing/2014/main" id="{B5CA2231-7A65-4D16-8400-A210CC41DB73}"/>
-                </a:ext>
-                <a:ext uri="{C183D7F6-B498-43B3-948B-1728B52AA6E4}">
-                  <adec:decorative xmlns:adec="http://schemas.microsoft.com/office/drawing/2017/decorative" val="1"/>
-                </a:ext>
-              </a:extLst>
-            </p:cNvPr>
-            <p:cNvSpPr>
-              <a:spLocks noChangeAspect="1"/>
-            </p:cNvSpPr>
-            <p:nvPr>
-              <p:extLst>
-                <p:ext uri="{386F3935-93C4-4BCD-93E2-E3B085C9AB24}">
-                  <p16:designElem xmlns:p16="http://schemas.microsoft.com/office/powerpoint/2015/main" val="1"/>
-                </p:ext>
-              </p:extLst>
-            </p:nvPr>
-          </p:nvSpPr>
-          <p:spPr>
-            <a:xfrm rot="18900000" flipV="1">
-              <a:off x="4957101" y="4052255"/>
-              <a:ext cx="1853969" cy="1093090"/>
-            </a:xfrm>
-            <a:custGeom>
-              <a:avLst/>
-              <a:gdLst>
-                <a:gd name="connsiteX0" fmla="*/ 1329373 w 2658746"/>
-                <a:gd name="connsiteY0" fmla="*/ 0 h 1329373"/>
-                <a:gd name="connsiteX1" fmla="*/ 2658746 w 2658746"/>
-                <a:gd name="connsiteY1" fmla="*/ 1329373 h 1329373"/>
-                <a:gd name="connsiteX2" fmla="*/ 1994059 w 2658746"/>
-                <a:gd name="connsiteY2" fmla="*/ 1329373 h 1329373"/>
-                <a:gd name="connsiteX3" fmla="*/ 1329373 w 2658746"/>
-                <a:gd name="connsiteY3" fmla="*/ 664687 h 1329373"/>
-                <a:gd name="connsiteX4" fmla="*/ 664687 w 2658746"/>
-                <a:gd name="connsiteY4" fmla="*/ 1329373 h 1329373"/>
-                <a:gd name="connsiteX5" fmla="*/ 0 w 2658746"/>
-                <a:gd name="connsiteY5" fmla="*/ 1329373 h 1329373"/>
-                <a:gd name="connsiteX6" fmla="*/ 1329373 w 2658746"/>
-                <a:gd name="connsiteY6" fmla="*/ 0 h 1329373"/>
-              </a:gdLst>
-              <a:ahLst/>
-              <a:cxnLst>
-                <a:cxn ang="0">
-                  <a:pos x="connsiteX0" y="connsiteY0"/>
-                </a:cxn>
-                <a:cxn ang="0">
-                  <a:pos x="connsiteX1" y="connsiteY1"/>
-                </a:cxn>
-                <a:cxn ang="0">
-                  <a:pos x="connsiteX2" y="connsiteY2"/>
-                </a:cxn>
-                <a:cxn ang="0">
-                  <a:pos x="connsiteX3" y="connsiteY3"/>
-                </a:cxn>
-                <a:cxn ang="0">
-                  <a:pos x="connsiteX4" y="connsiteY4"/>
-                </a:cxn>
-                <a:cxn ang="0">
-                  <a:pos x="connsiteX5" y="connsiteY5"/>
-                </a:cxn>
-                <a:cxn ang="0">
-                  <a:pos x="connsiteX6" y="connsiteY6"/>
-                </a:cxn>
-              </a:cxnLst>
-              <a:rect l="l" t="t" r="r" b="b"/>
-              <a:pathLst>
-                <a:path w="2658746" h="1329373">
-                  <a:moveTo>
-                    <a:pt x="1329373" y="0"/>
-                  </a:moveTo>
-                  <a:cubicBezTo>
-                    <a:pt x="2063565" y="0"/>
-                    <a:pt x="2658746" y="595181"/>
-                    <a:pt x="2658746" y="1329373"/>
-                  </a:cubicBezTo>
-                  <a:lnTo>
-                    <a:pt x="1994059" y="1329373"/>
-                  </a:lnTo>
-                  <a:cubicBezTo>
-                    <a:pt x="1994059" y="962277"/>
-                    <a:pt x="1696469" y="664687"/>
-                    <a:pt x="1329373" y="664687"/>
-                  </a:cubicBezTo>
-                  <a:cubicBezTo>
-                    <a:pt x="962277" y="664687"/>
-                    <a:pt x="664687" y="962277"/>
-                    <a:pt x="664687" y="1329373"/>
-                  </a:cubicBezTo>
-                  <a:lnTo>
-                    <a:pt x="0" y="1329373"/>
-                  </a:lnTo>
-                  <a:cubicBezTo>
-                    <a:pt x="0" y="595181"/>
-                    <a:pt x="595181" y="0"/>
-                    <a:pt x="1329373" y="0"/>
-                  </a:cubicBezTo>
-                  <a:close/>
-                </a:path>
-              </a:pathLst>
-            </a:custGeom>
-            <a:solidFill>
-              <a:schemeClr val="bg2">
-                <a:lumMod val="50000"/>
-                <a:lumOff val="50000"/>
-                <a:alpha val="40000"/>
-              </a:schemeClr>
-            </a:solidFill>
-            <a:ln>
-              <a:noFill/>
-            </a:ln>
-            <a:effectLst>
-              <a:softEdge rad="190500"/>
-            </a:effectLst>
-          </p:spPr>
-          <p:style>
-            <a:lnRef idx="2">
-              <a:schemeClr val="accent1">
-                <a:shade val="50000"/>
-              </a:schemeClr>
-            </a:lnRef>
-            <a:fillRef idx="1">
-              <a:schemeClr val="accent1"/>
-            </a:fillRef>
-            <a:effectRef idx="0">
-              <a:schemeClr val="accent1"/>
-            </a:effectRef>
-            <a:fontRef idx="minor">
-              <a:schemeClr val="lt1"/>
-            </a:fontRef>
-          </p:style>
-          <p:txBody>
-            <a:bodyPr rtlCol="0" anchor="ctr"/>
-            <a:lstStyle/>
-            <a:p>
-              <a:pPr algn="ctr"/>
-              <a:endParaRPr lang="en-US" dirty="0">
-                <a:solidFill>
-                  <a:schemeClr val="tx1"/>
-                </a:solidFill>
-              </a:endParaRPr>
-            </a:p>
-          </p:txBody>
-        </p:sp>
-        <p:sp>
-          <p:nvSpPr>
-            <p:cNvPr id="101" name="Oval 100">
-              <a:extLst>
-                <a:ext uri="{FF2B5EF4-FFF2-40B4-BE49-F238E27FC236}">
-                  <a16:creationId xmlns:a16="http://schemas.microsoft.com/office/drawing/2014/main" id="{4B089C8C-B82B-4704-88E2-E857A5E21529}"/>
-                </a:ext>
-                <a:ext uri="{C183D7F6-B498-43B3-948B-1728B52AA6E4}">
-                  <adec:decorative xmlns:adec="http://schemas.microsoft.com/office/drawing/2017/decorative" val="1"/>
-                </a:ext>
-              </a:extLst>
-            </p:cNvPr>
-            <p:cNvSpPr/>
-            <p:nvPr>
-              <p:extLst>
-                <p:ext uri="{386F3935-93C4-4BCD-93E2-E3B085C9AB24}">
-                  <p16:designElem xmlns:p16="http://schemas.microsoft.com/office/powerpoint/2015/main" val="1"/>
-                </p:ext>
-              </p:extLst>
-            </p:nvPr>
-          </p:nvSpPr>
-          <p:spPr>
-            <a:xfrm rot="13500000" flipV="1">
-              <a:off x="6040374" y="3601683"/>
-              <a:ext cx="107098" cy="466589"/>
-            </a:xfrm>
-            <a:prstGeom prst="ellipse">
-              <a:avLst/>
-            </a:prstGeom>
-            <a:solidFill>
-              <a:schemeClr val="bg2">
-                <a:lumMod val="90000"/>
-                <a:lumOff val="10000"/>
-              </a:schemeClr>
-            </a:solidFill>
-            <a:ln>
-              <a:noFill/>
-            </a:ln>
-            <a:effectLst>
-              <a:innerShdw blurRad="63500" dist="2540000">
-                <a:schemeClr val="accent1">
-                  <a:lumMod val="60000"/>
-                  <a:lumOff val="40000"/>
-                  <a:alpha val="0"/>
-                </a:schemeClr>
-              </a:innerShdw>
-            </a:effectLst>
-          </p:spPr>
-          <p:style>
-            <a:lnRef idx="2">
-              <a:schemeClr val="accent1">
-                <a:shade val="50000"/>
-              </a:schemeClr>
-            </a:lnRef>
-            <a:fillRef idx="1">
-              <a:schemeClr val="accent1"/>
-            </a:fillRef>
-            <a:effectRef idx="0">
-              <a:schemeClr val="accent1"/>
-            </a:effectRef>
-            <a:fontRef idx="minor">
-              <a:schemeClr val="lt1"/>
-            </a:fontRef>
-          </p:style>
-          <p:txBody>
-            <a:bodyPr rot="0" spcFirstLastPara="0" vertOverflow="overflow" horzOverflow="overflow" vert="horz" wrap="square" lIns="91440" tIns="45720" rIns="91440" bIns="45720" numCol="1" spcCol="0" rtlCol="0" fromWordArt="0" anchor="ctr" anchorCtr="0" forceAA="0" compatLnSpc="1">
-              <a:prstTxWarp prst="textNoShape">
-                <a:avLst/>
-              </a:prstTxWarp>
-              <a:noAutofit/>
-            </a:bodyPr>
-            <a:lstStyle/>
-            <a:p>
-              <a:pPr algn="ctr"/>
-              <a:endParaRPr lang="en-US"/>
-            </a:p>
-          </p:txBody>
-        </p:sp>
-        <p:sp>
-          <p:nvSpPr>
-            <p:cNvPr id="102" name="Oval 101">
-              <a:extLst>
-                <a:ext uri="{FF2B5EF4-FFF2-40B4-BE49-F238E27FC236}">
-                  <a16:creationId xmlns:a16="http://schemas.microsoft.com/office/drawing/2014/main" id="{434B90C8-5B4D-456E-AD99-80EF748FDD72}"/>
-                </a:ext>
-                <a:ext uri="{C183D7F6-B498-43B3-948B-1728B52AA6E4}">
-                  <adec:decorative xmlns:adec="http://schemas.microsoft.com/office/drawing/2017/decorative" val="1"/>
-                </a:ext>
-              </a:extLst>
-            </p:cNvPr>
-            <p:cNvSpPr/>
-            <p:nvPr>
-              <p:extLst>
-                <p:ext uri="{386F3935-93C4-4BCD-93E2-E3B085C9AB24}">
-                  <p16:designElem xmlns:p16="http://schemas.microsoft.com/office/powerpoint/2015/main" val="1"/>
-                </p:ext>
-              </p:extLst>
-            </p:nvPr>
-          </p:nvSpPr>
-          <p:spPr>
-            <a:xfrm rot="13500000" flipV="1">
-              <a:off x="5059348" y="4582709"/>
-              <a:ext cx="107098" cy="466589"/>
-            </a:xfrm>
-            <a:prstGeom prst="ellipse">
-              <a:avLst/>
-            </a:prstGeom>
-            <a:solidFill>
-              <a:schemeClr val="bg2">
-                <a:lumMod val="90000"/>
-                <a:lumOff val="10000"/>
-              </a:schemeClr>
-            </a:solidFill>
-            <a:ln>
-              <a:noFill/>
-            </a:ln>
-            <a:effectLst>
-              <a:innerShdw blurRad="63500" dist="2540000">
-                <a:schemeClr val="accent1">
-                  <a:lumMod val="60000"/>
-                  <a:lumOff val="40000"/>
-                  <a:alpha val="0"/>
-                </a:schemeClr>
-              </a:innerShdw>
-            </a:effectLst>
-          </p:spPr>
-          <p:style>
-            <a:lnRef idx="2">
-              <a:schemeClr val="accent1">
-                <a:shade val="50000"/>
-              </a:schemeClr>
-            </a:lnRef>
-            <a:fillRef idx="1">
-              <a:schemeClr val="accent1"/>
-            </a:fillRef>
-            <a:effectRef idx="0">
-              <a:schemeClr val="accent1"/>
-            </a:effectRef>
-            <a:fontRef idx="minor">
-              <a:schemeClr val="lt1"/>
-            </a:fontRef>
-          </p:style>
-          <p:txBody>
-            <a:bodyPr rot="0" spcFirstLastPara="0" vertOverflow="overflow" horzOverflow="overflow" vert="horz" wrap="square" lIns="91440" tIns="45720" rIns="91440" bIns="45720" numCol="1" spcCol="0" rtlCol="0" fromWordArt="0" anchor="ctr" anchorCtr="0" forceAA="0" compatLnSpc="1">
-              <a:prstTxWarp prst="textNoShape">
-                <a:avLst/>
-              </a:prstTxWarp>
-              <a:noAutofit/>
-            </a:bodyPr>
-            <a:lstStyle/>
-            <a:p>
-              <a:pPr algn="ctr"/>
-              <a:endParaRPr lang="en-US"/>
-            </a:p>
-          </p:txBody>
-        </p:sp>
-      </p:grpSp>
-      <p:sp useBgFill="1">
-        <p:nvSpPr>
-          <p:cNvPr id="104" name="Rectangle 103">
-            <a:extLst>
-              <a:ext uri="{FF2B5EF4-FFF2-40B4-BE49-F238E27FC236}">
-                <a16:creationId xmlns:a16="http://schemas.microsoft.com/office/drawing/2014/main" id="{1DB043B4-68C6-45B9-82AC-A5800EADB8DB}"/>
-              </a:ext>
-              <a:ext uri="{C183D7F6-B498-43B3-948B-1728B52AA6E4}">
-                <adec:decorative xmlns:adec="http://schemas.microsoft.com/office/drawing/2017/decorative" val="1"/>
-              </a:ext>
-            </a:extLst>
-          </p:cNvPr>
-          <p:cNvSpPr>
-            <a:spLocks noGrp="1" noRot="1" noChangeAspect="1" noMove="1" noResize="1" noEditPoints="1" noAdjustHandles="1" noChangeArrowheads="1" noChangeShapeType="1" noTextEdit="1"/>
-          </p:cNvSpPr>
-          <p:nvPr>
-            <p:extLst>
-              <p:ext uri="{386F3935-93C4-4BCD-93E2-E3B085C9AB24}">
-                <p16:designElem xmlns:p16="http://schemas.microsoft.com/office/powerpoint/2015/main" val="1"/>
-              </p:ext>
-            </p:extLst>
-          </p:nvPr>
-        </p:nvSpPr>
-        <p:spPr>
-          <a:xfrm>
-            <a:off x="0" y="0"/>
-            <a:ext cx="12192000" cy="6858000"/>
-          </a:xfrm>
-          <a:prstGeom prst="rect">
-            <a:avLst/>
-          </a:prstGeom>
-          <a:ln w="12700" cap="flat" cmpd="sng" algn="ctr">
-            <a:noFill/>
-            <a:prstDash val="solid"/>
-            <a:miter lim="800000"/>
-          </a:ln>
-          <a:effectLst/>
-          <a:extLst>
-            <a:ext uri="{91240B29-F687-4F45-9708-019B960494DF}">
-              <a14:hiddenLine xmlns:a14="http://schemas.microsoft.com/office/drawing/2010/main" w="12700" cap="flat" cmpd="sng" algn="ctr">
-                <a:solidFill>
-                  <a:schemeClr val="accent1">
-                    <a:shade val="50000"/>
-                  </a:schemeClr>
-                </a:solidFill>
-                <a:prstDash val="solid"/>
-                <a:miter lim="800000"/>
-              </a14:hiddenLine>
-            </a:ext>
-          </a:extLst>
-        </p:spPr>
-        <p:style>
-          <a:lnRef idx="2">
-            <a:schemeClr val="accent1">
-              <a:shade val="50000"/>
-            </a:schemeClr>
-          </a:lnRef>
-          <a:fillRef idx="1">
-            <a:schemeClr val="accent1"/>
-          </a:fillRef>
-          <a:effectRef idx="0">
-            <a:schemeClr val="accent1"/>
-          </a:effectRef>
-          <a:fontRef idx="minor">
-            <a:schemeClr val="lt1"/>
-          </a:fontRef>
-        </p:style>
-        <p:txBody>
-          <a:bodyPr rtlCol="0" anchor="ctr"/>
-          <a:lstStyle/>
-          <a:p>
-            <a:pPr algn="ctr"/>
-            <a:endParaRPr lang="en-US"/>
-          </a:p>
-        </p:txBody>
-      </p:sp>
-      <p:sp>
-        <p:nvSpPr>
-          <p:cNvPr id="7" name="Title 6">
-            <a:extLst>
-              <a:ext uri="{FF2B5EF4-FFF2-40B4-BE49-F238E27FC236}">
-                <a16:creationId xmlns:a16="http://schemas.microsoft.com/office/drawing/2014/main" id="{5BFD82EF-2B14-B44B-BE71-9C4ED1A1DF98}"/>
-              </a:ext>
-            </a:extLst>
-          </p:cNvPr>
-          <p:cNvSpPr>
-            <a:spLocks noGrp="1"/>
-          </p:cNvSpPr>
-          <p:nvPr>
-            <p:ph type="title"/>
-          </p:nvPr>
-        </p:nvSpPr>
-        <p:spPr>
-          <a:xfrm>
-            <a:off x="536483" y="273058"/>
-            <a:ext cx="6373812" cy="984885"/>
-          </a:xfrm>
-        </p:spPr>
-        <p:txBody>
-          <a:bodyPr vert="horz" wrap="square" lIns="0" tIns="0" rIns="0" bIns="0" rtlCol="0" anchor="ctr" anchorCtr="0">
-            <a:normAutofit/>
-          </a:bodyPr>
-          <a:lstStyle/>
-          <a:p>
-            <a:r>
-              <a:rPr lang="en-US" sz="1600" dirty="0"/>
-              <a:t>Edit  comments from </a:t>
-            </a:r>
-            <a:r>
-              <a:rPr lang="en-US" sz="1600" dirty="0" err="1"/>
-              <a:t>jira</a:t>
-            </a:r>
-            <a:r>
-              <a:rPr lang="en-US" sz="1600" dirty="0"/>
-              <a:t> issue</a:t>
-            </a:r>
-          </a:p>
-        </p:txBody>
-      </p:sp>
       <p:sp>
         <p:nvSpPr>
           <p:cNvPr id="3" name="Content Placeholder 2">
@@ -9267,172 +9045,77 @@
         </p:nvSpPr>
         <p:spPr>
           <a:xfrm>
-            <a:off x="7140575" y="549275"/>
-            <a:ext cx="4498976" cy="984885"/>
+            <a:off x="550863" y="2677306"/>
+            <a:ext cx="3565525" cy="3415519"/>
           </a:xfrm>
         </p:spPr>
         <p:txBody>
-          <a:bodyPr vert="horz" wrap="square" lIns="0" tIns="0" rIns="0" bIns="0" rtlCol="0" anchor="ctr">
+          <a:bodyPr vert="horz" lIns="0" tIns="0" rIns="0" bIns="0" rtlCol="0" anchor="t">
             <a:normAutofit/>
           </a:bodyPr>
           <a:lstStyle/>
           <a:p>
-            <a:pPr marL="0" indent="0" algn="r">
-              <a:lnSpc>
-                <a:spcPct val="100000"/>
-              </a:lnSpc>
+            <a:pPr marL="0" indent="0">
               <a:buNone/>
             </a:pPr>
             <a:r>
-              <a:rPr lang="en-US"/>
+              <a:rPr lang="en-US" sz="1600"/>
               <a:t>  </a:t>
             </a:r>
           </a:p>
         </p:txBody>
       </p:sp>
-      <p:sp>
-        <p:nvSpPr>
-          <p:cNvPr id="106" name="Rectangle 105">
-            <a:extLst>
-              <a:ext uri="{FF2B5EF4-FFF2-40B4-BE49-F238E27FC236}">
-                <a16:creationId xmlns:a16="http://schemas.microsoft.com/office/drawing/2014/main" id="{31ACE9CC-FA52-49A8-A8CB-4C6772C48157}"/>
-              </a:ext>
-              <a:ext uri="{C183D7F6-B498-43B3-948B-1728B52AA6E4}">
-                <adec:decorative xmlns:adec="http://schemas.microsoft.com/office/drawing/2017/decorative" val="1"/>
-              </a:ext>
-            </a:extLst>
-          </p:cNvPr>
-          <p:cNvSpPr>
-            <a:spLocks noGrp="1" noRot="1" noChangeAspect="1" noMove="1" noResize="1" noEditPoints="1" noAdjustHandles="1" noChangeArrowheads="1" noChangeShapeType="1" noTextEdit="1"/>
-          </p:cNvSpPr>
-          <p:nvPr>
-            <p:extLst>
-              <p:ext uri="{386F3935-93C4-4BCD-93E2-E3B085C9AB24}">
-                <p16:designElem xmlns:p16="http://schemas.microsoft.com/office/powerpoint/2015/main" val="1"/>
-              </p:ext>
-            </p:extLst>
-          </p:nvPr>
-        </p:nvSpPr>
+      <p:pic>
+        <p:nvPicPr>
+          <p:cNvPr id="6" name="Picture 5" descr="Text&#10;&#10;Description automatically generated">
+            <a:extLst>
+              <a:ext uri="{FF2B5EF4-FFF2-40B4-BE49-F238E27FC236}">
+                <a16:creationId xmlns:a16="http://schemas.microsoft.com/office/drawing/2014/main" id="{D839D987-AC48-F746-A603-2B25D1BB3CEA}"/>
+              </a:ext>
+            </a:extLst>
+          </p:cNvPr>
+          <p:cNvPicPr>
+            <a:picLocks noChangeAspect="1"/>
+          </p:cNvPicPr>
+          <p:nvPr/>
+        </p:nvPicPr>
+        <p:blipFill>
+          <a:blip r:embed="rId2"/>
+          <a:stretch>
+            <a:fillRect/>
+          </a:stretch>
+        </p:blipFill>
         <p:spPr>
           <a:xfrm>
-            <a:off x="0" y="2083434"/>
-            <a:ext cx="12192000" cy="4774566"/>
+            <a:off x="4550900" y="1301929"/>
+            <a:ext cx="7090237" cy="4254142"/>
           </a:xfrm>
-          <a:prstGeom prst="rect">
+          <a:custGeom>
             <a:avLst/>
-          </a:prstGeom>
-          <a:solidFill>
-            <a:schemeClr val="bg2">
-              <a:lumMod val="50000"/>
-              <a:lumOff val="50000"/>
-              <a:alpha val="5000"/>
-            </a:schemeClr>
-          </a:solidFill>
-          <a:ln>
-            <a:noFill/>
-          </a:ln>
+            <a:gdLst/>
+            <a:ahLst/>
+            <a:cxnLst/>
+            <a:rect l="l" t="t" r="r" b="b"/>
+            <a:pathLst>
+              <a:path w="7090237" h="5759451">
+                <a:moveTo>
+                  <a:pt x="0" y="0"/>
+                </a:moveTo>
+                <a:lnTo>
+                  <a:pt x="7090237" y="0"/>
+                </a:lnTo>
+                <a:lnTo>
+                  <a:pt x="7090237" y="5759451"/>
+                </a:lnTo>
+                <a:lnTo>
+                  <a:pt x="0" y="5759451"/>
+                </a:lnTo>
+                <a:close/>
+              </a:path>
+            </a:pathLst>
+          </a:custGeom>
         </p:spPr>
-        <p:style>
-          <a:lnRef idx="2">
-            <a:schemeClr val="accent1">
-              <a:shade val="50000"/>
-            </a:schemeClr>
-          </a:lnRef>
-          <a:fillRef idx="1">
-            <a:schemeClr val="accent1"/>
-          </a:fillRef>
-          <a:effectRef idx="0">
-            <a:schemeClr val="accent1"/>
-          </a:effectRef>
-          <a:fontRef idx="minor">
-            <a:schemeClr val="lt1"/>
-          </a:fontRef>
-        </p:style>
-        <p:txBody>
-          <a:bodyPr rtlCol="0" anchor="ctr"/>
-          <a:lstStyle/>
-          <a:p>
-            <a:pPr algn="ctr"/>
-            <a:endParaRPr lang="en-US"/>
-          </a:p>
-        </p:txBody>
-      </p:sp>
-      <p:sp>
-        <p:nvSpPr>
-          <p:cNvPr id="108" name="Rectangle 107">
-            <a:extLst>
-              <a:ext uri="{FF2B5EF4-FFF2-40B4-BE49-F238E27FC236}">
-                <a16:creationId xmlns:a16="http://schemas.microsoft.com/office/drawing/2014/main" id="{28B56926-F216-4281-9196-1495BD306129}"/>
-              </a:ext>
-              <a:ext uri="{C183D7F6-B498-43B3-948B-1728B52AA6E4}">
-                <adec:decorative xmlns:adec="http://schemas.microsoft.com/office/drawing/2017/decorative" val="1"/>
-              </a:ext>
-            </a:extLst>
-          </p:cNvPr>
-          <p:cNvSpPr>
-            <a:spLocks noGrp="1" noRot="1" noChangeAspect="1" noMove="1" noResize="1" noEditPoints="1" noAdjustHandles="1" noChangeArrowheads="1" noChangeShapeType="1" noTextEdit="1"/>
-          </p:cNvSpPr>
-          <p:nvPr>
-            <p:extLst>
-              <p:ext uri="{386F3935-93C4-4BCD-93E2-E3B085C9AB24}">
-                <p16:designElem xmlns:p16="http://schemas.microsoft.com/office/powerpoint/2015/main" val="1"/>
-              </p:ext>
-            </p:extLst>
-          </p:nvPr>
-        </p:nvSpPr>
-        <p:spPr>
-          <a:xfrm>
-            <a:off x="0" y="5773729"/>
-            <a:ext cx="12192000" cy="1084271"/>
-          </a:xfrm>
-          <a:prstGeom prst="rect">
-            <a:avLst/>
-          </a:prstGeom>
-          <a:gradFill flip="none" rotWithShape="1">
-            <a:gsLst>
-              <a:gs pos="90000">
-                <a:schemeClr val="bg2">
-                  <a:alpha val="60000"/>
-                </a:schemeClr>
-              </a:gs>
-              <a:gs pos="28000">
-                <a:schemeClr val="bg2">
-                  <a:alpha val="0"/>
-                </a:schemeClr>
-              </a:gs>
-            </a:gsLst>
-            <a:lin ang="5400000" scaled="0"/>
-            <a:tileRect/>
-          </a:gradFill>
-          <a:ln>
-            <a:noFill/>
-          </a:ln>
-        </p:spPr>
-        <p:style>
-          <a:lnRef idx="2">
-            <a:schemeClr val="accent1">
-              <a:shade val="50000"/>
-            </a:schemeClr>
-          </a:lnRef>
-          <a:fillRef idx="1">
-            <a:schemeClr val="accent1"/>
-          </a:fillRef>
-          <a:effectRef idx="0">
-            <a:schemeClr val="accent1"/>
-          </a:effectRef>
-          <a:fontRef idx="minor">
-            <a:schemeClr val="lt1"/>
-          </a:fontRef>
-        </p:style>
-        <p:txBody>
-          <a:bodyPr rtlCol="0" anchor="ctr"/>
-          <a:lstStyle/>
-          <a:p>
-            <a:pPr algn="ctr"/>
-            <a:endParaRPr lang="en-US"/>
-          </a:p>
-        </p:txBody>
-      </p:sp>
+      </p:pic>
       <p:sp>
         <p:nvSpPr>
           <p:cNvPr id="2" name="TextBox 1">
@@ -9448,6 +9131,38 @@
         <p:spPr>
           <a:xfrm>
             <a:off x="2502568" y="2911642"/>
+            <a:ext cx="184731" cy="369332"/>
+          </a:xfrm>
+          <a:prstGeom prst="rect">
+            <a:avLst/>
+          </a:prstGeom>
+          <a:noFill/>
+        </p:spPr>
+        <p:txBody>
+          <a:bodyPr wrap="none" rtlCol="0">
+            <a:spAutoFit/>
+          </a:bodyPr>
+          <a:lstStyle/>
+          <a:p>
+            <a:endParaRPr lang="en-DE" dirty="0"/>
+          </a:p>
+        </p:txBody>
+      </p:sp>
+      <p:sp>
+        <p:nvSpPr>
+          <p:cNvPr id="4" name="TextBox 3">
+            <a:extLst>
+              <a:ext uri="{FF2B5EF4-FFF2-40B4-BE49-F238E27FC236}">
+                <a16:creationId xmlns:a16="http://schemas.microsoft.com/office/drawing/2014/main" id="{61980B79-E2DD-7F4E-9AD4-C6DEF72A09FA}"/>
+              </a:ext>
+            </a:extLst>
+          </p:cNvPr>
+          <p:cNvSpPr txBox="1"/>
+          <p:nvPr/>
+        </p:nvSpPr>
+        <p:spPr>
+          <a:xfrm>
+            <a:off x="1465385" y="1758462"/>
             <a:ext cx="184731" cy="369332"/>
           </a:xfrm>
           <a:prstGeom prst="rect">

--- a/jira_tutorial_7.pptx
+++ b/jira_tutorial_7.pptx
@@ -8039,7 +8039,7 @@
             </a:br>
             <a:r>
               <a:rPr lang="en-DE" sz="3000" dirty="0"/>
-              <a:t>How To Edit ExistingComment From  Jira Issue From Rest Api Using Python</a:t>
+              <a:t>How To Get All Issue From Jira  Rest Api Using Python</a:t>
             </a:r>
             <a:br>
               <a:rPr lang="en-DE" sz="3000" dirty="0"/>
@@ -8049,7 +8049,7 @@
             </a:br>
             <a:r>
               <a:rPr lang="en-DE" sz="3000" dirty="0"/>
-              <a:t>Tutorial :7</a:t>
+              <a:t>Tutorial :8</a:t>
             </a:r>
           </a:p>
         </p:txBody>
@@ -8275,7 +8275,7 @@
             </a:r>
             <a:r>
               <a:rPr lang="en-GB" dirty="0"/>
-              <a:t>-group-issue-comments/#api-rest-api-3-issue-issueidorkey-comment-post</a:t>
+              <a:t>-group-issue-search/#api-rest-api-3-search-get</a:t>
             </a:r>
             <a:endParaRPr lang="en-DE" dirty="0"/>
           </a:p>
@@ -8319,12 +8319,12 @@
           <a:chExt cx="0" cy="0"/>
         </a:xfrm>
       </p:grpSpPr>
-      <p:sp useBgFill="1">
+      <p:sp>
         <p:nvSpPr>
-          <p:cNvPr id="113" name="Rectangle 112">
-            <a:extLst>
-              <a:ext uri="{FF2B5EF4-FFF2-40B4-BE49-F238E27FC236}">
-                <a16:creationId xmlns:a16="http://schemas.microsoft.com/office/drawing/2014/main" id="{A5931BE0-4B93-4D6C-878E-ACC59D6B4587}"/>
+          <p:cNvPr id="125" name="Freeform: Shape 124">
+            <a:extLst>
+              <a:ext uri="{FF2B5EF4-FFF2-40B4-BE49-F238E27FC236}">
+                <a16:creationId xmlns:a16="http://schemas.microsoft.com/office/drawing/2014/main" id="{82184FF4-7029-4ED7-813A-192E60608764}"/>
               </a:ext>
               <a:ext uri="{C183D7F6-B498-43B3-948B-1728B52AA6E4}">
                 <adec:decorative xmlns:adec="http://schemas.microsoft.com/office/drawing/2017/decorative" val="1"/>
@@ -8343,32 +8343,95 @@
           </p:nvPr>
         </p:nvSpPr>
         <p:spPr>
-          <a:xfrm>
-            <a:off x="0" y="0"/>
-            <a:ext cx="12192000" cy="6858000"/>
+          <a:xfrm rot="2700000">
+            <a:off x="612445" y="481888"/>
+            <a:ext cx="1080000" cy="1262947"/>
           </a:xfrm>
-          <a:prstGeom prst="rect">
+          <a:custGeom>
             <a:avLst/>
-          </a:prstGeom>
-          <a:ln w="12700" cap="flat" cmpd="sng" algn="ctr">
+            <a:gdLst/>
+            <a:ahLst/>
+            <a:cxnLst/>
+            <a:rect l="l" t="t" r="r" b="b"/>
+            <a:pathLst>
+              <a:path w="1080000" h="1262947">
+                <a:moveTo>
+                  <a:pt x="540000" y="0"/>
+                </a:moveTo>
+                <a:lnTo>
+                  <a:pt x="1064374" y="931034"/>
+                </a:lnTo>
+                <a:lnTo>
+                  <a:pt x="1069029" y="938533"/>
+                </a:lnTo>
+                <a:cubicBezTo>
+                  <a:pt x="1076223" y="956109"/>
+                  <a:pt x="1080000" y="974307"/>
+                  <a:pt x="1080000" y="992947"/>
+                </a:cubicBezTo>
+                <a:cubicBezTo>
+                  <a:pt x="1080000" y="1142064"/>
+                  <a:pt x="838234" y="1262947"/>
+                  <a:pt x="540000" y="1262947"/>
+                </a:cubicBezTo>
+                <a:cubicBezTo>
+                  <a:pt x="241766" y="1262947"/>
+                  <a:pt x="0" y="1142064"/>
+                  <a:pt x="0" y="992947"/>
+                </a:cubicBezTo>
+                <a:cubicBezTo>
+                  <a:pt x="0" y="974307"/>
+                  <a:pt x="3778" y="956109"/>
+                  <a:pt x="10971" y="938533"/>
+                </a:cubicBezTo>
+                <a:lnTo>
+                  <a:pt x="15626" y="931034"/>
+                </a:lnTo>
+                <a:lnTo>
+                  <a:pt x="540000" y="0"/>
+                </a:lnTo>
+                <a:close/>
+              </a:path>
+            </a:pathLst>
+          </a:custGeom>
+          <a:gradFill>
+            <a:gsLst>
+              <a:gs pos="60000">
+                <a:schemeClr val="bg2">
+                  <a:lumMod val="90000"/>
+                  <a:lumOff val="10000"/>
+                </a:schemeClr>
+              </a:gs>
+              <a:gs pos="30000">
+                <a:schemeClr val="bg2">
+                  <a:lumMod val="90000"/>
+                  <a:lumOff val="10000"/>
+                </a:schemeClr>
+              </a:gs>
+              <a:gs pos="40000">
+                <a:schemeClr val="bg2">
+                  <a:lumMod val="75000"/>
+                  <a:lumOff val="25000"/>
+                </a:schemeClr>
+              </a:gs>
+              <a:gs pos="100000">
+                <a:schemeClr val="bg2"/>
+              </a:gs>
+            </a:gsLst>
+            <a:lin ang="600000" scaled="0"/>
+          </a:gradFill>
+          <a:ln>
             <a:noFill/>
-            <a:prstDash val="solid"/>
-            <a:miter lim="800000"/>
           </a:ln>
-          <a:effectLst/>
-          <a:extLst>
-            <a:ext uri="{91240B29-F687-4F45-9708-019B960494DF}">
-              <a14:hiddenLine xmlns:a14="http://schemas.microsoft.com/office/drawing/2010/main" w="12700" cap="flat" cmpd="sng" algn="ctr">
-                <a:solidFill>
-                  <a:schemeClr val="accent1">
-                    <a:shade val="50000"/>
-                  </a:schemeClr>
-                </a:solidFill>
-                <a:prstDash val="solid"/>
-                <a:miter lim="800000"/>
-              </a14:hiddenLine>
-            </a:ext>
-          </a:extLst>
+          <a:effectLst>
+            <a:innerShdw blurRad="254000" dist="101600" dir="2700000">
+              <a:schemeClr val="accent1">
+                <a:lumMod val="60000"/>
+                <a:lumOff val="40000"/>
+                <a:alpha val="40000"/>
+              </a:schemeClr>
+            </a:innerShdw>
+          </a:effectLst>
         </p:spPr>
         <p:style>
           <a:lnRef idx="2">
@@ -8387,7 +8450,12 @@
           </a:fontRef>
         </p:style>
         <p:txBody>
-          <a:bodyPr rtlCol="0" anchor="ctr"/>
+          <a:bodyPr rot="0" spcFirstLastPara="0" vertOverflow="overflow" horzOverflow="overflow" vert="horz" wrap="square" lIns="91440" tIns="45720" rIns="91440" bIns="45720" numCol="1" spcCol="0" rtlCol="0" fromWordArt="0" anchor="ctr" anchorCtr="0" forceAA="0" compatLnSpc="1">
+            <a:prstTxWarp prst="textNoShape">
+              <a:avLst/>
+            </a:prstTxWarp>
+            <a:noAutofit/>
+          </a:bodyPr>
           <a:lstStyle/>
           <a:p>
             <a:pPr algn="ctr"/>
@@ -8397,62 +8465,19 @@
       </p:sp>
       <p:sp>
         <p:nvSpPr>
-          <p:cNvPr id="7" name="Title 6">
-            <a:extLst>
-              <a:ext uri="{FF2B5EF4-FFF2-40B4-BE49-F238E27FC236}">
-                <a16:creationId xmlns:a16="http://schemas.microsoft.com/office/drawing/2014/main" id="{5BFD82EF-2B14-B44B-BE71-9C4ED1A1DF98}"/>
-              </a:ext>
-            </a:extLst>
-          </p:cNvPr>
-          <p:cNvSpPr>
-            <a:spLocks noGrp="1"/>
-          </p:cNvSpPr>
-          <p:nvPr>
-            <p:ph type="title"/>
-          </p:nvPr>
-        </p:nvSpPr>
-        <p:spPr>
-          <a:xfrm>
-            <a:off x="550864" y="549275"/>
-            <a:ext cx="3565524" cy="1997855"/>
-          </a:xfrm>
-        </p:spPr>
-        <p:txBody>
-          <a:bodyPr vert="horz" wrap="square" lIns="0" tIns="0" rIns="0" bIns="0" rtlCol="0" anchor="b" anchorCtr="0">
-            <a:normAutofit/>
-          </a:bodyPr>
-          <a:lstStyle/>
-          <a:p>
-            <a:r>
-              <a:rPr lang="en-US" sz="4400"/>
-              <a:t>Edit  comments from </a:t>
-            </a:r>
-            <a:r>
-              <a:rPr lang="en-US" sz="4400" err="1"/>
-              <a:t>jira</a:t>
-            </a:r>
-            <a:r>
-              <a:rPr lang="en-US" sz="4400"/>
-              <a:t> issue</a:t>
-            </a:r>
-          </a:p>
-        </p:txBody>
-      </p:sp>
-      <p:grpSp>
-        <p:nvGrpSpPr>
-          <p:cNvPr id="115" name="Group 114">
-            <a:extLst>
-              <a:ext uri="{FF2B5EF4-FFF2-40B4-BE49-F238E27FC236}">
-                <a16:creationId xmlns:a16="http://schemas.microsoft.com/office/drawing/2014/main" id="{9F2D4ED5-DC78-4C88-97AA-483206C53E90}"/>
+          <p:cNvPr id="127" name="Oval 126">
+            <a:extLst>
+              <a:ext uri="{FF2B5EF4-FFF2-40B4-BE49-F238E27FC236}">
+                <a16:creationId xmlns:a16="http://schemas.microsoft.com/office/drawing/2014/main" id="{AAA7AB09-557C-41AD-9113-FF9F68FA1035}"/>
               </a:ext>
               <a:ext uri="{C183D7F6-B498-43B3-948B-1728B52AA6E4}">
                 <adec:decorative xmlns:adec="http://schemas.microsoft.com/office/drawing/2017/decorative" val="1"/>
               </a:ext>
             </a:extLst>
           </p:cNvPr>
-          <p:cNvGrpSpPr>
-            <a:grpSpLocks noGrp="1" noUngrp="1" noRot="1" noChangeAspect="1" noMove="1" noResize="1"/>
-          </p:cNvGrpSpPr>
+          <p:cNvSpPr>
+            <a:spLocks noGrp="1" noRot="1" noChangeAspect="1" noMove="1" noResize="1" noEditPoints="1" noAdjustHandles="1" noChangeArrowheads="1" noChangeShapeType="1" noTextEdit="1"/>
+          </p:cNvSpPr>
           <p:nvPr>
             <p:extLst>
               <p:ext uri="{386F3935-93C4-4BCD-93E2-E3B085C9AB24}">
@@ -8460,487 +8485,81 @@
               </p:ext>
             </p:extLst>
           </p:nvPr>
-        </p:nvGrpSpPr>
-        <p:grpSpPr>
-          <a:xfrm>
-            <a:off x="10570793" y="0"/>
-            <a:ext cx="1468514" cy="1521012"/>
-            <a:chOff x="5236793" y="2432482"/>
-            <a:chExt cx="1468514" cy="1521012"/>
+        </p:nvSpPr>
+        <p:spPr>
+          <a:xfrm rot="8100000">
+            <a:off x="626845" y="828962"/>
+            <a:ext cx="540000" cy="1080000"/>
           </a:xfrm>
-        </p:grpSpPr>
-        <p:sp>
-          <p:nvSpPr>
-            <p:cNvPr id="116" name="Freeform 5">
-              <a:extLst>
-                <a:ext uri="{FF2B5EF4-FFF2-40B4-BE49-F238E27FC236}">
-                  <a16:creationId xmlns:a16="http://schemas.microsoft.com/office/drawing/2014/main" id="{0DE0B65A-4839-40B2-BA92-1464FEADBA4A}"/>
-                </a:ext>
-                <a:ext uri="{C183D7F6-B498-43B3-948B-1728B52AA6E4}">
-                  <adec:decorative xmlns:adec="http://schemas.microsoft.com/office/drawing/2017/decorative" val="1"/>
-                </a:ext>
-              </a:extLst>
-            </p:cNvPr>
-            <p:cNvSpPr>
-              <a:spLocks/>
-            </p:cNvSpPr>
-            <p:nvPr>
-              <p:extLst>
-                <p:ext uri="{386F3935-93C4-4BCD-93E2-E3B085C9AB24}">
-                  <p16:designElem xmlns:p16="http://schemas.microsoft.com/office/powerpoint/2015/main" val="1"/>
-                </p:ext>
-              </p:extLst>
-            </p:nvPr>
-          </p:nvSpPr>
-          <p:spPr bwMode="auto">
-            <a:xfrm rot="1800000">
-              <a:off x="5463135" y="2432482"/>
-              <a:ext cx="1242172" cy="729202"/>
-            </a:xfrm>
-            <a:custGeom>
-              <a:avLst/>
-              <a:gdLst>
-                <a:gd name="T0" fmla="*/ 266 w 540"/>
-                <a:gd name="T1" fmla="*/ 0 h 317"/>
-                <a:gd name="T2" fmla="*/ 0 w 540"/>
-                <a:gd name="T3" fmla="*/ 158 h 317"/>
-                <a:gd name="T4" fmla="*/ 266 w 540"/>
-                <a:gd name="T5" fmla="*/ 317 h 317"/>
-                <a:gd name="T6" fmla="*/ 540 w 540"/>
-                <a:gd name="T7" fmla="*/ 158 h 317"/>
-                <a:gd name="T8" fmla="*/ 266 w 540"/>
-                <a:gd name="T9" fmla="*/ 0 h 317"/>
-              </a:gdLst>
-              <a:ahLst/>
-              <a:cxnLst>
-                <a:cxn ang="0">
-                  <a:pos x="T0" y="T1"/>
-                </a:cxn>
-                <a:cxn ang="0">
-                  <a:pos x="T2" y="T3"/>
-                </a:cxn>
-                <a:cxn ang="0">
-                  <a:pos x="T4" y="T5"/>
-                </a:cxn>
-                <a:cxn ang="0">
-                  <a:pos x="T6" y="T7"/>
-                </a:cxn>
-                <a:cxn ang="0">
-                  <a:pos x="T8" y="T9"/>
-                </a:cxn>
-              </a:cxnLst>
-              <a:rect l="0" t="0" r="r" b="b"/>
-              <a:pathLst>
-                <a:path w="540" h="317">
-                  <a:moveTo>
-                    <a:pt x="266" y="0"/>
-                  </a:moveTo>
-                  <a:lnTo>
-                    <a:pt x="0" y="158"/>
-                  </a:lnTo>
-                  <a:lnTo>
-                    <a:pt x="266" y="317"/>
-                  </a:lnTo>
-                  <a:lnTo>
-                    <a:pt x="540" y="158"/>
-                  </a:lnTo>
-                  <a:lnTo>
-                    <a:pt x="266" y="0"/>
-                  </a:lnTo>
-                  <a:close/>
-                </a:path>
-              </a:pathLst>
-            </a:custGeom>
-            <a:gradFill flip="none" rotWithShape="1">
-              <a:gsLst>
-                <a:gs pos="20000">
-                  <a:schemeClr val="bg2">
-                    <a:lumMod val="90000"/>
-                    <a:lumOff val="10000"/>
-                    <a:alpha val="20000"/>
-                  </a:schemeClr>
-                </a:gs>
-                <a:gs pos="100000">
-                  <a:schemeClr val="accent1">
-                    <a:lumMod val="60000"/>
-                    <a:lumOff val="40000"/>
-                    <a:alpha val="40000"/>
-                  </a:schemeClr>
-                </a:gs>
-              </a:gsLst>
-              <a:lin ang="0" scaled="0"/>
-              <a:tileRect/>
-            </a:gradFill>
-            <a:ln>
-              <a:noFill/>
-            </a:ln>
-            <a:effectLst>
-              <a:innerShdw blurRad="254000">
+          <a:prstGeom prst="ellipse">
+            <a:avLst/>
+          </a:prstGeom>
+          <a:gradFill>
+            <a:gsLst>
+              <a:gs pos="100000">
                 <a:schemeClr val="bg2">
                   <a:lumMod val="90000"/>
                   <a:lumOff val="10000"/>
                 </a:schemeClr>
-              </a:innerShdw>
-            </a:effectLst>
-          </p:spPr>
-          <p:style>
-            <a:lnRef idx="2">
+              </a:gs>
+              <a:gs pos="50000">
+                <a:schemeClr val="bg2">
+                  <a:lumMod val="95000"/>
+                  <a:lumOff val="5000"/>
+                </a:schemeClr>
+              </a:gs>
+            </a:gsLst>
+            <a:lin ang="5400000" scaled="0"/>
+          </a:gradFill>
+          <a:ln>
+            <a:noFill/>
+          </a:ln>
+          <a:effectLst>
+            <a:innerShdw blurRad="1270000" dist="2540000">
               <a:schemeClr val="accent1">
-                <a:shade val="50000"/>
+                <a:lumMod val="60000"/>
+                <a:lumOff val="40000"/>
+                <a:alpha val="0"/>
               </a:schemeClr>
-            </a:lnRef>
-            <a:fillRef idx="1">
-              <a:schemeClr val="accent1"/>
-            </a:fillRef>
-            <a:effectRef idx="0">
-              <a:schemeClr val="accent1"/>
-            </a:effectRef>
-            <a:fontRef idx="minor">
-              <a:schemeClr val="lt1"/>
-            </a:fontRef>
-          </p:style>
-          <p:txBody>
-            <a:bodyPr rot="0" spcFirstLastPara="0" vertOverflow="overflow" horzOverflow="overflow" vert="horz" wrap="square" lIns="91440" tIns="45720" rIns="91440" bIns="45720" numCol="1" spcCol="0" rtlCol="0" fromWordArt="0" anchor="ctr" anchorCtr="0" forceAA="0" compatLnSpc="1">
-              <a:prstTxWarp prst="textNoShape">
-                <a:avLst/>
-              </a:prstTxWarp>
-              <a:noAutofit/>
-            </a:bodyPr>
-            <a:lstStyle/>
-            <a:p>
-              <a:pPr algn="ctr"/>
-              <a:endParaRPr lang="en-US"/>
-            </a:p>
-          </p:txBody>
-        </p:sp>
-        <p:sp>
-          <p:nvSpPr>
-            <p:cNvPr id="117" name="Freeform 6">
-              <a:extLst>
-                <a:ext uri="{FF2B5EF4-FFF2-40B4-BE49-F238E27FC236}">
-                  <a16:creationId xmlns:a16="http://schemas.microsoft.com/office/drawing/2014/main" id="{842A0A68-39DD-4DA7-BAD5-63B9C1398718}"/>
-                </a:ext>
-                <a:ext uri="{C183D7F6-B498-43B3-948B-1728B52AA6E4}">
-                  <adec:decorative xmlns:adec="http://schemas.microsoft.com/office/drawing/2017/decorative" val="1"/>
-                </a:ext>
-              </a:extLst>
-            </p:cNvPr>
-            <p:cNvSpPr>
-              <a:spLocks/>
-            </p:cNvSpPr>
-            <p:nvPr>
-              <p:extLst>
-                <p:ext uri="{386F3935-93C4-4BCD-93E2-E3B085C9AB24}">
-                  <p16:designElem xmlns:p16="http://schemas.microsoft.com/office/powerpoint/2015/main" val="1"/>
-                </p:ext>
-              </p:extLst>
-            </p:nvPr>
-          </p:nvSpPr>
-          <p:spPr bwMode="auto">
-            <a:xfrm rot="1800000">
-              <a:off x="5236793" y="2566400"/>
-              <a:ext cx="611884" cy="1076550"/>
-            </a:xfrm>
-            <a:custGeom>
+            </a:innerShdw>
+          </a:effectLst>
+        </p:spPr>
+        <p:style>
+          <a:lnRef idx="2">
+            <a:schemeClr val="accent1">
+              <a:shade val="50000"/>
+            </a:schemeClr>
+          </a:lnRef>
+          <a:fillRef idx="1">
+            <a:schemeClr val="accent1"/>
+          </a:fillRef>
+          <a:effectRef idx="0">
+            <a:schemeClr val="accent1"/>
+          </a:effectRef>
+          <a:fontRef idx="minor">
+            <a:schemeClr val="lt1"/>
+          </a:fontRef>
+        </p:style>
+        <p:txBody>
+          <a:bodyPr rot="0" spcFirstLastPara="0" vertOverflow="overflow" horzOverflow="overflow" vert="horz" wrap="square" lIns="91440" tIns="45720" rIns="91440" bIns="45720" numCol="1" spcCol="0" rtlCol="0" fromWordArt="0" anchor="ctr" anchorCtr="0" forceAA="0" compatLnSpc="1">
+            <a:prstTxWarp prst="textNoShape">
               <a:avLst/>
-              <a:gdLst>
-                <a:gd name="T0" fmla="*/ 266 w 266"/>
-                <a:gd name="T1" fmla="*/ 468 h 468"/>
-                <a:gd name="T2" fmla="*/ 0 w 266"/>
-                <a:gd name="T3" fmla="*/ 310 h 468"/>
-                <a:gd name="T4" fmla="*/ 0 w 266"/>
-                <a:gd name="T5" fmla="*/ 310 h 468"/>
-                <a:gd name="T6" fmla="*/ 0 w 266"/>
-                <a:gd name="T7" fmla="*/ 0 h 468"/>
-                <a:gd name="T8" fmla="*/ 0 w 266"/>
-                <a:gd name="T9" fmla="*/ 0 h 468"/>
-                <a:gd name="T10" fmla="*/ 266 w 266"/>
-                <a:gd name="T11" fmla="*/ 159 h 468"/>
-                <a:gd name="T12" fmla="*/ 266 w 266"/>
-                <a:gd name="T13" fmla="*/ 468 h 468"/>
-              </a:gdLst>
-              <a:ahLst/>
-              <a:cxnLst>
-                <a:cxn ang="0">
-                  <a:pos x="T0" y="T1"/>
-                </a:cxn>
-                <a:cxn ang="0">
-                  <a:pos x="T2" y="T3"/>
-                </a:cxn>
-                <a:cxn ang="0">
-                  <a:pos x="T4" y="T5"/>
-                </a:cxn>
-                <a:cxn ang="0">
-                  <a:pos x="T6" y="T7"/>
-                </a:cxn>
-                <a:cxn ang="0">
-                  <a:pos x="T8" y="T9"/>
-                </a:cxn>
-                <a:cxn ang="0">
-                  <a:pos x="T10" y="T11"/>
-                </a:cxn>
-                <a:cxn ang="0">
-                  <a:pos x="T12" y="T13"/>
-                </a:cxn>
-              </a:cxnLst>
-              <a:rect l="0" t="0" r="r" b="b"/>
-              <a:pathLst>
-                <a:path w="266" h="468">
-                  <a:moveTo>
-                    <a:pt x="266" y="468"/>
-                  </a:moveTo>
-                  <a:lnTo>
-                    <a:pt x="0" y="310"/>
-                  </a:lnTo>
-                  <a:lnTo>
-                    <a:pt x="0" y="310"/>
-                  </a:lnTo>
-                  <a:lnTo>
-                    <a:pt x="0" y="0"/>
-                  </a:lnTo>
-                  <a:lnTo>
-                    <a:pt x="0" y="0"/>
-                  </a:lnTo>
-                  <a:lnTo>
-                    <a:pt x="266" y="159"/>
-                  </a:lnTo>
-                  <a:lnTo>
-                    <a:pt x="266" y="468"/>
-                  </a:lnTo>
-                  <a:close/>
-                </a:path>
-              </a:pathLst>
-            </a:custGeom>
-            <a:gradFill flip="none" rotWithShape="1">
-              <a:gsLst>
-                <a:gs pos="20000">
-                  <a:schemeClr val="bg2">
-                    <a:lumMod val="90000"/>
-                    <a:lumOff val="10000"/>
-                    <a:alpha val="20000"/>
-                  </a:schemeClr>
-                </a:gs>
-                <a:gs pos="100000">
-                  <a:schemeClr val="accent1">
-                    <a:lumMod val="60000"/>
-                    <a:lumOff val="40000"/>
-                    <a:alpha val="40000"/>
-                  </a:schemeClr>
-                </a:gs>
-              </a:gsLst>
-              <a:lin ang="19800000" scaled="0"/>
-              <a:tileRect/>
-            </a:gradFill>
-            <a:ln>
-              <a:noFill/>
-            </a:ln>
-            <a:effectLst>
-              <a:innerShdw blurRad="254000">
-                <a:schemeClr val="bg2">
-                  <a:lumMod val="90000"/>
-                  <a:lumOff val="10000"/>
-                </a:schemeClr>
-              </a:innerShdw>
-            </a:effectLst>
-          </p:spPr>
-          <p:style>
-            <a:lnRef idx="2">
-              <a:schemeClr val="accent1">
-                <a:shade val="50000"/>
-              </a:schemeClr>
-            </a:lnRef>
-            <a:fillRef idx="1">
-              <a:schemeClr val="accent1"/>
-            </a:fillRef>
-            <a:effectRef idx="0">
-              <a:schemeClr val="accent1"/>
-            </a:effectRef>
-            <a:fontRef idx="minor">
-              <a:schemeClr val="lt1"/>
-            </a:fontRef>
-          </p:style>
-          <p:txBody>
-            <a:bodyPr rot="0" spcFirstLastPara="0" vertOverflow="overflow" horzOverflow="overflow" vert="horz" wrap="square" lIns="91440" tIns="45720" rIns="91440" bIns="45720" numCol="1" spcCol="0" rtlCol="0" fromWordArt="0" anchor="ctr" anchorCtr="0" forceAA="0" compatLnSpc="1">
-              <a:prstTxWarp prst="textNoShape">
-                <a:avLst/>
-              </a:prstTxWarp>
-              <a:noAutofit/>
-            </a:bodyPr>
-            <a:lstStyle/>
-            <a:p>
-              <a:pPr algn="ctr"/>
-              <a:endParaRPr lang="en-US"/>
-            </a:p>
-          </p:txBody>
-        </p:sp>
-        <p:sp>
-          <p:nvSpPr>
-            <p:cNvPr id="118" name="Freeform 8">
-              <a:extLst>
-                <a:ext uri="{FF2B5EF4-FFF2-40B4-BE49-F238E27FC236}">
-                  <a16:creationId xmlns:a16="http://schemas.microsoft.com/office/drawing/2014/main" id="{21A69E50-7E10-45C3-B4F2-19DBA7748498}"/>
-                </a:ext>
-                <a:ext uri="{C183D7F6-B498-43B3-948B-1728B52AA6E4}">
-                  <adec:decorative xmlns:adec="http://schemas.microsoft.com/office/drawing/2017/decorative" val="1"/>
-                </a:ext>
-              </a:extLst>
-            </p:cNvPr>
-            <p:cNvSpPr>
-              <a:spLocks/>
-            </p:cNvSpPr>
-            <p:nvPr>
-              <p:extLst>
-                <p:ext uri="{386F3935-93C4-4BCD-93E2-E3B085C9AB24}">
-                  <p16:designElem xmlns:p16="http://schemas.microsoft.com/office/powerpoint/2015/main" val="1"/>
-                </p:ext>
-              </p:extLst>
-            </p:nvPr>
-          </p:nvSpPr>
-          <p:spPr bwMode="auto">
-            <a:xfrm rot="1800000">
-              <a:off x="5765469" y="2876944"/>
-              <a:ext cx="630288" cy="1076550"/>
-            </a:xfrm>
-            <a:custGeom>
-              <a:avLst/>
-              <a:gdLst>
-                <a:gd name="T0" fmla="*/ 274 w 274"/>
-                <a:gd name="T1" fmla="*/ 0 h 468"/>
-                <a:gd name="T2" fmla="*/ 274 w 274"/>
-                <a:gd name="T3" fmla="*/ 310 h 468"/>
-                <a:gd name="T4" fmla="*/ 274 w 274"/>
-                <a:gd name="T5" fmla="*/ 310 h 468"/>
-                <a:gd name="T6" fmla="*/ 0 w 274"/>
-                <a:gd name="T7" fmla="*/ 468 h 468"/>
-                <a:gd name="T8" fmla="*/ 0 w 274"/>
-                <a:gd name="T9" fmla="*/ 159 h 468"/>
-                <a:gd name="T10" fmla="*/ 274 w 274"/>
-                <a:gd name="T11" fmla="*/ 0 h 468"/>
-                <a:gd name="T12" fmla="*/ 274 w 274"/>
-                <a:gd name="T13" fmla="*/ 0 h 468"/>
-              </a:gdLst>
-              <a:ahLst/>
-              <a:cxnLst>
-                <a:cxn ang="0">
-                  <a:pos x="T0" y="T1"/>
-                </a:cxn>
-                <a:cxn ang="0">
-                  <a:pos x="T2" y="T3"/>
-                </a:cxn>
-                <a:cxn ang="0">
-                  <a:pos x="T4" y="T5"/>
-                </a:cxn>
-                <a:cxn ang="0">
-                  <a:pos x="T6" y="T7"/>
-                </a:cxn>
-                <a:cxn ang="0">
-                  <a:pos x="T8" y="T9"/>
-                </a:cxn>
-                <a:cxn ang="0">
-                  <a:pos x="T10" y="T11"/>
-                </a:cxn>
-                <a:cxn ang="0">
-                  <a:pos x="T12" y="T13"/>
-                </a:cxn>
-              </a:cxnLst>
-              <a:rect l="0" t="0" r="r" b="b"/>
-              <a:pathLst>
-                <a:path w="274" h="468">
-                  <a:moveTo>
-                    <a:pt x="274" y="0"/>
-                  </a:moveTo>
-                  <a:lnTo>
-                    <a:pt x="274" y="310"/>
-                  </a:lnTo>
-                  <a:lnTo>
-                    <a:pt x="274" y="310"/>
-                  </a:lnTo>
-                  <a:lnTo>
-                    <a:pt x="0" y="468"/>
-                  </a:lnTo>
-                  <a:lnTo>
-                    <a:pt x="0" y="159"/>
-                  </a:lnTo>
-                  <a:lnTo>
-                    <a:pt x="274" y="0"/>
-                  </a:lnTo>
-                  <a:lnTo>
-                    <a:pt x="274" y="0"/>
-                  </a:lnTo>
-                  <a:close/>
-                </a:path>
-              </a:pathLst>
-            </a:custGeom>
-            <a:gradFill flip="none" rotWithShape="1">
-              <a:gsLst>
-                <a:gs pos="20000">
-                  <a:schemeClr val="bg2">
-                    <a:lumMod val="90000"/>
-                    <a:lumOff val="10000"/>
-                    <a:alpha val="20000"/>
-                  </a:schemeClr>
-                </a:gs>
-                <a:gs pos="100000">
-                  <a:schemeClr val="accent1">
-                    <a:lumMod val="40000"/>
-                    <a:lumOff val="60000"/>
-                    <a:alpha val="60000"/>
-                  </a:schemeClr>
-                </a:gs>
-              </a:gsLst>
-              <a:lin ang="18000000" scaled="0"/>
-              <a:tileRect/>
-            </a:gradFill>
-            <a:ln>
-              <a:noFill/>
-            </a:ln>
-            <a:effectLst>
-              <a:innerShdw blurRad="508000">
-                <a:schemeClr val="accent1">
-                  <a:lumMod val="60000"/>
-                  <a:lumOff val="40000"/>
-                  <a:alpha val="40000"/>
-                </a:schemeClr>
-              </a:innerShdw>
-            </a:effectLst>
-          </p:spPr>
-          <p:style>
-            <a:lnRef idx="2">
-              <a:schemeClr val="accent1">
-                <a:shade val="50000"/>
-              </a:schemeClr>
-            </a:lnRef>
-            <a:fillRef idx="1">
-              <a:schemeClr val="accent1"/>
-            </a:fillRef>
-            <a:effectRef idx="0">
-              <a:schemeClr val="accent1"/>
-            </a:effectRef>
-            <a:fontRef idx="minor">
-              <a:schemeClr val="lt1"/>
-            </a:fontRef>
-          </p:style>
-          <p:txBody>
-            <a:bodyPr rot="0" spcFirstLastPara="0" vertOverflow="overflow" horzOverflow="overflow" vert="horz" wrap="square" lIns="91440" tIns="45720" rIns="91440" bIns="45720" numCol="1" spcCol="0" rtlCol="0" fromWordArt="0" anchor="ctr" anchorCtr="0" forceAA="0" compatLnSpc="1">
-              <a:prstTxWarp prst="textNoShape">
-                <a:avLst/>
-              </a:prstTxWarp>
-              <a:noAutofit/>
-            </a:bodyPr>
-            <a:lstStyle/>
-            <a:p>
-              <a:pPr algn="ctr"/>
-              <a:endParaRPr lang="en-US"/>
-            </a:p>
-          </p:txBody>
-        </p:sp>
-      </p:grpSp>
+            </a:prstTxWarp>
+            <a:noAutofit/>
+          </a:bodyPr>
+          <a:lstStyle/>
+          <a:p>
+            <a:pPr algn="ctr"/>
+            <a:endParaRPr lang="en-US"/>
+          </a:p>
+        </p:txBody>
+      </p:sp>
       <p:sp>
         <p:nvSpPr>
-          <p:cNvPr id="120" name="Oval 119">
-            <a:extLst>
-              <a:ext uri="{FF2B5EF4-FFF2-40B4-BE49-F238E27FC236}">
-                <a16:creationId xmlns:a16="http://schemas.microsoft.com/office/drawing/2014/main" id="{D166A8AB-8924-421C-BCED-B54DBC4054E0}"/>
+          <p:cNvPr id="129" name="Oval 128">
+            <a:extLst>
+              <a:ext uri="{FF2B5EF4-FFF2-40B4-BE49-F238E27FC236}">
+                <a16:creationId xmlns:a16="http://schemas.microsoft.com/office/drawing/2014/main" id="{EF99ECAA-1F11-4937-BBA6-51935AB44C9D}"/>
               </a:ext>
               <a:ext uri="{C183D7F6-B498-43B3-948B-1728B52AA6E4}">
                 <adec:decorative xmlns:adec="http://schemas.microsoft.com/office/drawing/2017/decorative" val="1"/>
@@ -8960,7 +8579,7 @@
         </p:nvSpPr>
         <p:spPr>
           <a:xfrm>
-            <a:off x="2677897" y="5497189"/>
+            <a:off x="1800802" y="2472855"/>
             <a:ext cx="360000" cy="360000"/>
           </a:xfrm>
           <a:prstGeom prst="ellipse">
@@ -9027,6 +8646,606 @@
           </a:p>
         </p:txBody>
       </p:sp>
+      <p:grpSp>
+        <p:nvGrpSpPr>
+          <p:cNvPr id="131" name="Group 130">
+            <a:extLst>
+              <a:ext uri="{FF2B5EF4-FFF2-40B4-BE49-F238E27FC236}">
+                <a16:creationId xmlns:a16="http://schemas.microsoft.com/office/drawing/2014/main" id="{79DE9FAB-6BBA-4CFE-B67D-77B47F01ECA4}"/>
+              </a:ext>
+              <a:ext uri="{C183D7F6-B498-43B3-948B-1728B52AA6E4}">
+                <adec:decorative xmlns:adec="http://schemas.microsoft.com/office/drawing/2017/decorative" val="1"/>
+              </a:ext>
+            </a:extLst>
+          </p:cNvPr>
+          <p:cNvGrpSpPr>
+            <a:grpSpLocks noGrp="1" noUngrp="1" noRot="1" noChangeAspect="1" noMove="1" noResize="1"/>
+          </p:cNvGrpSpPr>
+          <p:nvPr>
+            <p:extLst>
+              <p:ext uri="{386F3935-93C4-4BCD-93E2-E3B085C9AB24}">
+                <p16:designElem xmlns:p16="http://schemas.microsoft.com/office/powerpoint/2015/main" val="1"/>
+              </p:ext>
+            </p:extLst>
+          </p:nvPr>
+        </p:nvGrpSpPr>
+        <p:grpSpPr>
+          <a:xfrm>
+            <a:off x="1329952" y="4524379"/>
+            <a:ext cx="1980001" cy="1363916"/>
+            <a:chOff x="4879602" y="3781429"/>
+            <a:chExt cx="1980001" cy="1363916"/>
+          </a:xfrm>
+        </p:grpSpPr>
+        <p:sp>
+          <p:nvSpPr>
+            <p:cNvPr id="132" name="Freeform: Shape 131">
+              <a:extLst>
+                <a:ext uri="{FF2B5EF4-FFF2-40B4-BE49-F238E27FC236}">
+                  <a16:creationId xmlns:a16="http://schemas.microsoft.com/office/drawing/2014/main" id="{79FAC916-D9BB-4794-81B4-7C47C67E850D}"/>
+                </a:ext>
+                <a:ext uri="{C183D7F6-B498-43B3-948B-1728B52AA6E4}">
+                  <adec:decorative xmlns:adec="http://schemas.microsoft.com/office/drawing/2017/decorative" val="1"/>
+                </a:ext>
+              </a:extLst>
+            </p:cNvPr>
+            <p:cNvSpPr>
+              <a:spLocks noChangeAspect="1"/>
+            </p:cNvSpPr>
+            <p:nvPr>
+              <p:extLst>
+                <p:ext uri="{386F3935-93C4-4BCD-93E2-E3B085C9AB24}">
+                  <p16:designElem xmlns:p16="http://schemas.microsoft.com/office/powerpoint/2015/main" val="1"/>
+                </p:ext>
+              </p:extLst>
+            </p:nvPr>
+          </p:nvSpPr>
+          <p:spPr>
+            <a:xfrm rot="18900000" flipV="1">
+              <a:off x="5005634" y="4191206"/>
+              <a:ext cx="1853969" cy="926985"/>
+            </a:xfrm>
+            <a:custGeom>
+              <a:avLst/>
+              <a:gdLst>
+                <a:gd name="connsiteX0" fmla="*/ 1329373 w 2658746"/>
+                <a:gd name="connsiteY0" fmla="*/ 0 h 1329373"/>
+                <a:gd name="connsiteX1" fmla="*/ 2658746 w 2658746"/>
+                <a:gd name="connsiteY1" fmla="*/ 1329373 h 1329373"/>
+                <a:gd name="connsiteX2" fmla="*/ 1994059 w 2658746"/>
+                <a:gd name="connsiteY2" fmla="*/ 1329373 h 1329373"/>
+                <a:gd name="connsiteX3" fmla="*/ 1329373 w 2658746"/>
+                <a:gd name="connsiteY3" fmla="*/ 664687 h 1329373"/>
+                <a:gd name="connsiteX4" fmla="*/ 664687 w 2658746"/>
+                <a:gd name="connsiteY4" fmla="*/ 1329373 h 1329373"/>
+                <a:gd name="connsiteX5" fmla="*/ 0 w 2658746"/>
+                <a:gd name="connsiteY5" fmla="*/ 1329373 h 1329373"/>
+                <a:gd name="connsiteX6" fmla="*/ 1329373 w 2658746"/>
+                <a:gd name="connsiteY6" fmla="*/ 0 h 1329373"/>
+              </a:gdLst>
+              <a:ahLst/>
+              <a:cxnLst>
+                <a:cxn ang="0">
+                  <a:pos x="connsiteX0" y="connsiteY0"/>
+                </a:cxn>
+                <a:cxn ang="0">
+                  <a:pos x="connsiteX1" y="connsiteY1"/>
+                </a:cxn>
+                <a:cxn ang="0">
+                  <a:pos x="connsiteX2" y="connsiteY2"/>
+                </a:cxn>
+                <a:cxn ang="0">
+                  <a:pos x="connsiteX3" y="connsiteY3"/>
+                </a:cxn>
+                <a:cxn ang="0">
+                  <a:pos x="connsiteX4" y="connsiteY4"/>
+                </a:cxn>
+                <a:cxn ang="0">
+                  <a:pos x="connsiteX5" y="connsiteY5"/>
+                </a:cxn>
+                <a:cxn ang="0">
+                  <a:pos x="connsiteX6" y="connsiteY6"/>
+                </a:cxn>
+              </a:cxnLst>
+              <a:rect l="l" t="t" r="r" b="b"/>
+              <a:pathLst>
+                <a:path w="2658746" h="1329373">
+                  <a:moveTo>
+                    <a:pt x="1329373" y="0"/>
+                  </a:moveTo>
+                  <a:cubicBezTo>
+                    <a:pt x="2063565" y="0"/>
+                    <a:pt x="2658746" y="595181"/>
+                    <a:pt x="2658746" y="1329373"/>
+                  </a:cubicBezTo>
+                  <a:lnTo>
+                    <a:pt x="1994059" y="1329373"/>
+                  </a:lnTo>
+                  <a:cubicBezTo>
+                    <a:pt x="1994059" y="962277"/>
+                    <a:pt x="1696469" y="664687"/>
+                    <a:pt x="1329373" y="664687"/>
+                  </a:cubicBezTo>
+                  <a:cubicBezTo>
+                    <a:pt x="962277" y="664687"/>
+                    <a:pt x="664687" y="962277"/>
+                    <a:pt x="664687" y="1329373"/>
+                  </a:cubicBezTo>
+                  <a:lnTo>
+                    <a:pt x="0" y="1329373"/>
+                  </a:lnTo>
+                  <a:cubicBezTo>
+                    <a:pt x="0" y="595181"/>
+                    <a:pt x="595181" y="0"/>
+                    <a:pt x="1329373" y="0"/>
+                  </a:cubicBezTo>
+                  <a:close/>
+                </a:path>
+              </a:pathLst>
+            </a:custGeom>
+            <a:solidFill>
+              <a:schemeClr val="bg2"/>
+            </a:solidFill>
+            <a:ln>
+              <a:noFill/>
+            </a:ln>
+            <a:effectLst>
+              <a:innerShdw blurRad="254000" dist="50800" dir="16200000">
+                <a:schemeClr val="accent1">
+                  <a:lumMod val="40000"/>
+                  <a:lumOff val="60000"/>
+                  <a:alpha val="40000"/>
+                </a:schemeClr>
+              </a:innerShdw>
+            </a:effectLst>
+          </p:spPr>
+          <p:style>
+            <a:lnRef idx="2">
+              <a:schemeClr val="accent1">
+                <a:shade val="50000"/>
+              </a:schemeClr>
+            </a:lnRef>
+            <a:fillRef idx="1">
+              <a:schemeClr val="accent1"/>
+            </a:fillRef>
+            <a:effectRef idx="0">
+              <a:schemeClr val="accent1"/>
+            </a:effectRef>
+            <a:fontRef idx="minor">
+              <a:schemeClr val="lt1"/>
+            </a:fontRef>
+          </p:style>
+          <p:txBody>
+            <a:bodyPr rtlCol="0" anchor="ctr"/>
+            <a:lstStyle/>
+            <a:p>
+              <a:pPr algn="ctr"/>
+              <a:endParaRPr lang="en-US" dirty="0"/>
+            </a:p>
+          </p:txBody>
+        </p:sp>
+        <p:sp>
+          <p:nvSpPr>
+            <p:cNvPr id="133" name="Freeform: Shape 132">
+              <a:extLst>
+                <a:ext uri="{FF2B5EF4-FFF2-40B4-BE49-F238E27FC236}">
+                  <a16:creationId xmlns:a16="http://schemas.microsoft.com/office/drawing/2014/main" id="{B5CA2231-7A65-4D16-8400-A210CC41DB73}"/>
+                </a:ext>
+                <a:ext uri="{C183D7F6-B498-43B3-948B-1728B52AA6E4}">
+                  <adec:decorative xmlns:adec="http://schemas.microsoft.com/office/drawing/2017/decorative" val="1"/>
+                </a:ext>
+              </a:extLst>
+            </p:cNvPr>
+            <p:cNvSpPr>
+              <a:spLocks noChangeAspect="1"/>
+            </p:cNvSpPr>
+            <p:nvPr>
+              <p:extLst>
+                <p:ext uri="{386F3935-93C4-4BCD-93E2-E3B085C9AB24}">
+                  <p16:designElem xmlns:p16="http://schemas.microsoft.com/office/powerpoint/2015/main" val="1"/>
+                </p:ext>
+              </p:extLst>
+            </p:nvPr>
+          </p:nvSpPr>
+          <p:spPr>
+            <a:xfrm rot="18900000" flipV="1">
+              <a:off x="4957101" y="4052255"/>
+              <a:ext cx="1853969" cy="1093090"/>
+            </a:xfrm>
+            <a:custGeom>
+              <a:avLst/>
+              <a:gdLst>
+                <a:gd name="connsiteX0" fmla="*/ 1329373 w 2658746"/>
+                <a:gd name="connsiteY0" fmla="*/ 0 h 1329373"/>
+                <a:gd name="connsiteX1" fmla="*/ 2658746 w 2658746"/>
+                <a:gd name="connsiteY1" fmla="*/ 1329373 h 1329373"/>
+                <a:gd name="connsiteX2" fmla="*/ 1994059 w 2658746"/>
+                <a:gd name="connsiteY2" fmla="*/ 1329373 h 1329373"/>
+                <a:gd name="connsiteX3" fmla="*/ 1329373 w 2658746"/>
+                <a:gd name="connsiteY3" fmla="*/ 664687 h 1329373"/>
+                <a:gd name="connsiteX4" fmla="*/ 664687 w 2658746"/>
+                <a:gd name="connsiteY4" fmla="*/ 1329373 h 1329373"/>
+                <a:gd name="connsiteX5" fmla="*/ 0 w 2658746"/>
+                <a:gd name="connsiteY5" fmla="*/ 1329373 h 1329373"/>
+                <a:gd name="connsiteX6" fmla="*/ 1329373 w 2658746"/>
+                <a:gd name="connsiteY6" fmla="*/ 0 h 1329373"/>
+              </a:gdLst>
+              <a:ahLst/>
+              <a:cxnLst>
+                <a:cxn ang="0">
+                  <a:pos x="connsiteX0" y="connsiteY0"/>
+                </a:cxn>
+                <a:cxn ang="0">
+                  <a:pos x="connsiteX1" y="connsiteY1"/>
+                </a:cxn>
+                <a:cxn ang="0">
+                  <a:pos x="connsiteX2" y="connsiteY2"/>
+                </a:cxn>
+                <a:cxn ang="0">
+                  <a:pos x="connsiteX3" y="connsiteY3"/>
+                </a:cxn>
+                <a:cxn ang="0">
+                  <a:pos x="connsiteX4" y="connsiteY4"/>
+                </a:cxn>
+                <a:cxn ang="0">
+                  <a:pos x="connsiteX5" y="connsiteY5"/>
+                </a:cxn>
+                <a:cxn ang="0">
+                  <a:pos x="connsiteX6" y="connsiteY6"/>
+                </a:cxn>
+              </a:cxnLst>
+              <a:rect l="l" t="t" r="r" b="b"/>
+              <a:pathLst>
+                <a:path w="2658746" h="1329373">
+                  <a:moveTo>
+                    <a:pt x="1329373" y="0"/>
+                  </a:moveTo>
+                  <a:cubicBezTo>
+                    <a:pt x="2063565" y="0"/>
+                    <a:pt x="2658746" y="595181"/>
+                    <a:pt x="2658746" y="1329373"/>
+                  </a:cubicBezTo>
+                  <a:lnTo>
+                    <a:pt x="1994059" y="1329373"/>
+                  </a:lnTo>
+                  <a:cubicBezTo>
+                    <a:pt x="1994059" y="962277"/>
+                    <a:pt x="1696469" y="664687"/>
+                    <a:pt x="1329373" y="664687"/>
+                  </a:cubicBezTo>
+                  <a:cubicBezTo>
+                    <a:pt x="962277" y="664687"/>
+                    <a:pt x="664687" y="962277"/>
+                    <a:pt x="664687" y="1329373"/>
+                  </a:cubicBezTo>
+                  <a:lnTo>
+                    <a:pt x="0" y="1329373"/>
+                  </a:lnTo>
+                  <a:cubicBezTo>
+                    <a:pt x="0" y="595181"/>
+                    <a:pt x="595181" y="0"/>
+                    <a:pt x="1329373" y="0"/>
+                  </a:cubicBezTo>
+                  <a:close/>
+                </a:path>
+              </a:pathLst>
+            </a:custGeom>
+            <a:solidFill>
+              <a:schemeClr val="bg2">
+                <a:lumMod val="50000"/>
+                <a:lumOff val="50000"/>
+                <a:alpha val="40000"/>
+              </a:schemeClr>
+            </a:solidFill>
+            <a:ln>
+              <a:noFill/>
+            </a:ln>
+            <a:effectLst>
+              <a:softEdge rad="190500"/>
+            </a:effectLst>
+          </p:spPr>
+          <p:style>
+            <a:lnRef idx="2">
+              <a:schemeClr val="accent1">
+                <a:shade val="50000"/>
+              </a:schemeClr>
+            </a:lnRef>
+            <a:fillRef idx="1">
+              <a:schemeClr val="accent1"/>
+            </a:fillRef>
+            <a:effectRef idx="0">
+              <a:schemeClr val="accent1"/>
+            </a:effectRef>
+            <a:fontRef idx="minor">
+              <a:schemeClr val="lt1"/>
+            </a:fontRef>
+          </p:style>
+          <p:txBody>
+            <a:bodyPr rtlCol="0" anchor="ctr"/>
+            <a:lstStyle/>
+            <a:p>
+              <a:pPr algn="ctr"/>
+              <a:endParaRPr lang="en-US" dirty="0">
+                <a:solidFill>
+                  <a:schemeClr val="tx1"/>
+                </a:solidFill>
+              </a:endParaRPr>
+            </a:p>
+          </p:txBody>
+        </p:sp>
+        <p:sp>
+          <p:nvSpPr>
+            <p:cNvPr id="134" name="Oval 133">
+              <a:extLst>
+                <a:ext uri="{FF2B5EF4-FFF2-40B4-BE49-F238E27FC236}">
+                  <a16:creationId xmlns:a16="http://schemas.microsoft.com/office/drawing/2014/main" id="{4B089C8C-B82B-4704-88E2-E857A5E21529}"/>
+                </a:ext>
+                <a:ext uri="{C183D7F6-B498-43B3-948B-1728B52AA6E4}">
+                  <adec:decorative xmlns:adec="http://schemas.microsoft.com/office/drawing/2017/decorative" val="1"/>
+                </a:ext>
+              </a:extLst>
+            </p:cNvPr>
+            <p:cNvSpPr/>
+            <p:nvPr>
+              <p:extLst>
+                <p:ext uri="{386F3935-93C4-4BCD-93E2-E3B085C9AB24}">
+                  <p16:designElem xmlns:p16="http://schemas.microsoft.com/office/powerpoint/2015/main" val="1"/>
+                </p:ext>
+              </p:extLst>
+            </p:nvPr>
+          </p:nvSpPr>
+          <p:spPr>
+            <a:xfrm rot="13500000" flipV="1">
+              <a:off x="6040374" y="3601683"/>
+              <a:ext cx="107098" cy="466589"/>
+            </a:xfrm>
+            <a:prstGeom prst="ellipse">
+              <a:avLst/>
+            </a:prstGeom>
+            <a:solidFill>
+              <a:schemeClr val="bg2">
+                <a:lumMod val="90000"/>
+                <a:lumOff val="10000"/>
+              </a:schemeClr>
+            </a:solidFill>
+            <a:ln>
+              <a:noFill/>
+            </a:ln>
+            <a:effectLst>
+              <a:innerShdw blurRad="63500" dist="2540000">
+                <a:schemeClr val="accent1">
+                  <a:lumMod val="60000"/>
+                  <a:lumOff val="40000"/>
+                  <a:alpha val="0"/>
+                </a:schemeClr>
+              </a:innerShdw>
+            </a:effectLst>
+          </p:spPr>
+          <p:style>
+            <a:lnRef idx="2">
+              <a:schemeClr val="accent1">
+                <a:shade val="50000"/>
+              </a:schemeClr>
+            </a:lnRef>
+            <a:fillRef idx="1">
+              <a:schemeClr val="accent1"/>
+            </a:fillRef>
+            <a:effectRef idx="0">
+              <a:schemeClr val="accent1"/>
+            </a:effectRef>
+            <a:fontRef idx="minor">
+              <a:schemeClr val="lt1"/>
+            </a:fontRef>
+          </p:style>
+          <p:txBody>
+            <a:bodyPr rot="0" spcFirstLastPara="0" vertOverflow="overflow" horzOverflow="overflow" vert="horz" wrap="square" lIns="91440" tIns="45720" rIns="91440" bIns="45720" numCol="1" spcCol="0" rtlCol="0" fromWordArt="0" anchor="ctr" anchorCtr="0" forceAA="0" compatLnSpc="1">
+              <a:prstTxWarp prst="textNoShape">
+                <a:avLst/>
+              </a:prstTxWarp>
+              <a:noAutofit/>
+            </a:bodyPr>
+            <a:lstStyle/>
+            <a:p>
+              <a:pPr algn="ctr"/>
+              <a:endParaRPr lang="en-US"/>
+            </a:p>
+          </p:txBody>
+        </p:sp>
+        <p:sp>
+          <p:nvSpPr>
+            <p:cNvPr id="135" name="Oval 134">
+              <a:extLst>
+                <a:ext uri="{FF2B5EF4-FFF2-40B4-BE49-F238E27FC236}">
+                  <a16:creationId xmlns:a16="http://schemas.microsoft.com/office/drawing/2014/main" id="{434B90C8-5B4D-456E-AD99-80EF748FDD72}"/>
+                </a:ext>
+                <a:ext uri="{C183D7F6-B498-43B3-948B-1728B52AA6E4}">
+                  <adec:decorative xmlns:adec="http://schemas.microsoft.com/office/drawing/2017/decorative" val="1"/>
+                </a:ext>
+              </a:extLst>
+            </p:cNvPr>
+            <p:cNvSpPr/>
+            <p:nvPr>
+              <p:extLst>
+                <p:ext uri="{386F3935-93C4-4BCD-93E2-E3B085C9AB24}">
+                  <p16:designElem xmlns:p16="http://schemas.microsoft.com/office/powerpoint/2015/main" val="1"/>
+                </p:ext>
+              </p:extLst>
+            </p:nvPr>
+          </p:nvSpPr>
+          <p:spPr>
+            <a:xfrm rot="13500000" flipV="1">
+              <a:off x="5059348" y="4582709"/>
+              <a:ext cx="107098" cy="466589"/>
+            </a:xfrm>
+            <a:prstGeom prst="ellipse">
+              <a:avLst/>
+            </a:prstGeom>
+            <a:solidFill>
+              <a:schemeClr val="bg2">
+                <a:lumMod val="90000"/>
+                <a:lumOff val="10000"/>
+              </a:schemeClr>
+            </a:solidFill>
+            <a:ln>
+              <a:noFill/>
+            </a:ln>
+            <a:effectLst>
+              <a:innerShdw blurRad="63500" dist="2540000">
+                <a:schemeClr val="accent1">
+                  <a:lumMod val="60000"/>
+                  <a:lumOff val="40000"/>
+                  <a:alpha val="0"/>
+                </a:schemeClr>
+              </a:innerShdw>
+            </a:effectLst>
+          </p:spPr>
+          <p:style>
+            <a:lnRef idx="2">
+              <a:schemeClr val="accent1">
+                <a:shade val="50000"/>
+              </a:schemeClr>
+            </a:lnRef>
+            <a:fillRef idx="1">
+              <a:schemeClr val="accent1"/>
+            </a:fillRef>
+            <a:effectRef idx="0">
+              <a:schemeClr val="accent1"/>
+            </a:effectRef>
+            <a:fontRef idx="minor">
+              <a:schemeClr val="lt1"/>
+            </a:fontRef>
+          </p:style>
+          <p:txBody>
+            <a:bodyPr rot="0" spcFirstLastPara="0" vertOverflow="overflow" horzOverflow="overflow" vert="horz" wrap="square" lIns="91440" tIns="45720" rIns="91440" bIns="45720" numCol="1" spcCol="0" rtlCol="0" fromWordArt="0" anchor="ctr" anchorCtr="0" forceAA="0" compatLnSpc="1">
+              <a:prstTxWarp prst="textNoShape">
+                <a:avLst/>
+              </a:prstTxWarp>
+              <a:noAutofit/>
+            </a:bodyPr>
+            <a:lstStyle/>
+            <a:p>
+              <a:pPr algn="ctr"/>
+              <a:endParaRPr lang="en-US"/>
+            </a:p>
+          </p:txBody>
+        </p:sp>
+      </p:grpSp>
+      <p:sp useBgFill="1">
+        <p:nvSpPr>
+          <p:cNvPr id="137" name="Rectangle 136">
+            <a:extLst>
+              <a:ext uri="{FF2B5EF4-FFF2-40B4-BE49-F238E27FC236}">
+                <a16:creationId xmlns:a16="http://schemas.microsoft.com/office/drawing/2014/main" id="{1DB043B4-68C6-45B9-82AC-A5800EADB8DB}"/>
+              </a:ext>
+              <a:ext uri="{C183D7F6-B498-43B3-948B-1728B52AA6E4}">
+                <adec:decorative xmlns:adec="http://schemas.microsoft.com/office/drawing/2017/decorative" val="1"/>
+              </a:ext>
+            </a:extLst>
+          </p:cNvPr>
+          <p:cNvSpPr>
+            <a:spLocks noGrp="1" noRot="1" noChangeAspect="1" noMove="1" noResize="1" noEditPoints="1" noAdjustHandles="1" noChangeArrowheads="1" noChangeShapeType="1" noTextEdit="1"/>
+          </p:cNvSpPr>
+          <p:nvPr>
+            <p:extLst>
+              <p:ext uri="{386F3935-93C4-4BCD-93E2-E3B085C9AB24}">
+                <p16:designElem xmlns:p16="http://schemas.microsoft.com/office/powerpoint/2015/main" val="1"/>
+              </p:ext>
+            </p:extLst>
+          </p:nvPr>
+        </p:nvSpPr>
+        <p:spPr>
+          <a:xfrm>
+            <a:off x="0" y="0"/>
+            <a:ext cx="12192000" cy="6858000"/>
+          </a:xfrm>
+          <a:prstGeom prst="rect">
+            <a:avLst/>
+          </a:prstGeom>
+          <a:ln w="12700" cap="flat" cmpd="sng" algn="ctr">
+            <a:noFill/>
+            <a:prstDash val="solid"/>
+            <a:miter lim="800000"/>
+          </a:ln>
+          <a:effectLst/>
+          <a:extLst>
+            <a:ext uri="{91240B29-F687-4F45-9708-019B960494DF}">
+              <a14:hiddenLine xmlns:a14="http://schemas.microsoft.com/office/drawing/2010/main" w="12700" cap="flat" cmpd="sng" algn="ctr">
+                <a:solidFill>
+                  <a:schemeClr val="accent1">
+                    <a:shade val="50000"/>
+                  </a:schemeClr>
+                </a:solidFill>
+                <a:prstDash val="solid"/>
+                <a:miter lim="800000"/>
+              </a14:hiddenLine>
+            </a:ext>
+          </a:extLst>
+        </p:spPr>
+        <p:style>
+          <a:lnRef idx="2">
+            <a:schemeClr val="accent1">
+              <a:shade val="50000"/>
+            </a:schemeClr>
+          </a:lnRef>
+          <a:fillRef idx="1">
+            <a:schemeClr val="accent1"/>
+          </a:fillRef>
+          <a:effectRef idx="0">
+            <a:schemeClr val="accent1"/>
+          </a:effectRef>
+          <a:fontRef idx="minor">
+            <a:schemeClr val="lt1"/>
+          </a:fontRef>
+        </p:style>
+        <p:txBody>
+          <a:bodyPr rtlCol="0" anchor="ctr"/>
+          <a:lstStyle/>
+          <a:p>
+            <a:pPr algn="ctr"/>
+            <a:endParaRPr lang="en-US"/>
+          </a:p>
+        </p:txBody>
+      </p:sp>
+      <p:sp>
+        <p:nvSpPr>
+          <p:cNvPr id="7" name="Title 6">
+            <a:extLst>
+              <a:ext uri="{FF2B5EF4-FFF2-40B4-BE49-F238E27FC236}">
+                <a16:creationId xmlns:a16="http://schemas.microsoft.com/office/drawing/2014/main" id="{5BFD82EF-2B14-B44B-BE71-9C4ED1A1DF98}"/>
+              </a:ext>
+            </a:extLst>
+          </p:cNvPr>
+          <p:cNvSpPr>
+            <a:spLocks noGrp="1"/>
+          </p:cNvSpPr>
+          <p:nvPr>
+            <p:ph type="title"/>
+          </p:nvPr>
+        </p:nvSpPr>
+        <p:spPr>
+          <a:xfrm>
+            <a:off x="550864" y="549275"/>
+            <a:ext cx="6373812" cy="984885"/>
+          </a:xfrm>
+        </p:spPr>
+        <p:txBody>
+          <a:bodyPr vert="horz" wrap="square" lIns="0" tIns="0" rIns="0" bIns="0" rtlCol="0" anchor="ctr" anchorCtr="0">
+            <a:normAutofit/>
+          </a:bodyPr>
+          <a:lstStyle/>
+          <a:p>
+            <a:pPr>
+              <a:lnSpc>
+                <a:spcPct val="100000"/>
+              </a:lnSpc>
+            </a:pPr>
+            <a:r>
+              <a:rPr lang="en-US"/>
+              <a:t>How to get all jira issue</a:t>
+            </a:r>
+          </a:p>
+        </p:txBody>
+      </p:sp>
       <p:sp>
         <p:nvSpPr>
           <p:cNvPr id="3" name="Content Placeholder 2">
@@ -9045,32 +9264,102 @@
         </p:nvSpPr>
         <p:spPr>
           <a:xfrm>
-            <a:off x="550863" y="2677306"/>
-            <a:ext cx="3565525" cy="3415519"/>
+            <a:off x="7140575" y="549275"/>
+            <a:ext cx="4498976" cy="984885"/>
           </a:xfrm>
         </p:spPr>
         <p:txBody>
-          <a:bodyPr vert="horz" lIns="0" tIns="0" rIns="0" bIns="0" rtlCol="0" anchor="t">
+          <a:bodyPr vert="horz" wrap="square" lIns="0" tIns="0" rIns="0" bIns="0" rtlCol="0" anchor="ctr">
             <a:normAutofit/>
           </a:bodyPr>
           <a:lstStyle/>
           <a:p>
-            <a:pPr marL="0" indent="0">
+            <a:pPr marL="0" indent="0" algn="r">
+              <a:lnSpc>
+                <a:spcPct val="100000"/>
+              </a:lnSpc>
               <a:buNone/>
             </a:pPr>
             <a:r>
-              <a:rPr lang="en-US" sz="1600"/>
+              <a:rPr lang="en-US"/>
               <a:t>  </a:t>
             </a:r>
+          </a:p>
+        </p:txBody>
+      </p:sp>
+      <p:sp>
+        <p:nvSpPr>
+          <p:cNvPr id="139" name="Rectangle 138">
+            <a:extLst>
+              <a:ext uri="{FF2B5EF4-FFF2-40B4-BE49-F238E27FC236}">
+                <a16:creationId xmlns:a16="http://schemas.microsoft.com/office/drawing/2014/main" id="{31ACE9CC-FA52-49A8-A8CB-4C6772C48157}"/>
+              </a:ext>
+              <a:ext uri="{C183D7F6-B498-43B3-948B-1728B52AA6E4}">
+                <adec:decorative xmlns:adec="http://schemas.microsoft.com/office/drawing/2017/decorative" val="1"/>
+              </a:ext>
+            </a:extLst>
+          </p:cNvPr>
+          <p:cNvSpPr>
+            <a:spLocks noGrp="1" noRot="1" noChangeAspect="1" noMove="1" noResize="1" noEditPoints="1" noAdjustHandles="1" noChangeArrowheads="1" noChangeShapeType="1" noTextEdit="1"/>
+          </p:cNvSpPr>
+          <p:nvPr>
+            <p:extLst>
+              <p:ext uri="{386F3935-93C4-4BCD-93E2-E3B085C9AB24}">
+                <p16:designElem xmlns:p16="http://schemas.microsoft.com/office/powerpoint/2015/main" val="1"/>
+              </p:ext>
+            </p:extLst>
+          </p:nvPr>
+        </p:nvSpPr>
+        <p:spPr>
+          <a:xfrm>
+            <a:off x="0" y="2083434"/>
+            <a:ext cx="12192000" cy="4774566"/>
+          </a:xfrm>
+          <a:prstGeom prst="rect">
+            <a:avLst/>
+          </a:prstGeom>
+          <a:solidFill>
+            <a:schemeClr val="bg2">
+              <a:lumMod val="50000"/>
+              <a:lumOff val="50000"/>
+              <a:alpha val="5000"/>
+            </a:schemeClr>
+          </a:solidFill>
+          <a:ln>
+            <a:noFill/>
+          </a:ln>
+        </p:spPr>
+        <p:style>
+          <a:lnRef idx="2">
+            <a:schemeClr val="accent1">
+              <a:shade val="50000"/>
+            </a:schemeClr>
+          </a:lnRef>
+          <a:fillRef idx="1">
+            <a:schemeClr val="accent1"/>
+          </a:fillRef>
+          <a:effectRef idx="0">
+            <a:schemeClr val="accent1"/>
+          </a:effectRef>
+          <a:fontRef idx="minor">
+            <a:schemeClr val="lt1"/>
+          </a:fontRef>
+        </p:style>
+        <p:txBody>
+          <a:bodyPr rtlCol="0" anchor="ctr"/>
+          <a:lstStyle/>
+          <a:p>
+            <a:pPr algn="ctr"/>
+            <a:endParaRPr lang="en-US"/>
           </a:p>
         </p:txBody>
       </p:sp>
       <p:pic>
         <p:nvPicPr>
-          <p:cNvPr id="6" name="Picture 5" descr="Text&#10;&#10;Description automatically generated">
-            <a:extLst>
-              <a:ext uri="{FF2B5EF4-FFF2-40B4-BE49-F238E27FC236}">
-                <a16:creationId xmlns:a16="http://schemas.microsoft.com/office/drawing/2014/main" id="{D839D987-AC48-F746-A603-2B25D1BB3CEA}"/>
+          <p:cNvPr id="8" name="Picture 7" descr="Text&#10;&#10;Description automatically generated">
+            <a:extLst>
+              <a:ext uri="{FF2B5EF4-FFF2-40B4-BE49-F238E27FC236}">
+                <a16:creationId xmlns:a16="http://schemas.microsoft.com/office/drawing/2014/main" id="{3E2F90B3-B24F-9D48-B3FC-1E5D426657DA}"/>
               </a:ext>
             </a:extLst>
           </p:cNvPr>
@@ -9087,8 +9376,8 @@
         </p:blipFill>
         <p:spPr>
           <a:xfrm>
-            <a:off x="4550900" y="1301929"/>
-            <a:ext cx="7090237" cy="4254142"/>
+            <a:off x="1035773" y="2083435"/>
+            <a:ext cx="10120454" cy="4225290"/>
           </a:xfrm>
           <a:custGeom>
             <a:avLst/>
@@ -9097,18 +9386,18 @@
             <a:cxnLst/>
             <a:rect l="l" t="t" r="r" b="b"/>
             <a:pathLst>
-              <a:path w="7090237" h="5759451">
+              <a:path w="12192000" h="4225290">
                 <a:moveTo>
                   <a:pt x="0" y="0"/>
                 </a:moveTo>
                 <a:lnTo>
-                  <a:pt x="7090237" y="0"/>
+                  <a:pt x="12192000" y="0"/>
                 </a:lnTo>
                 <a:lnTo>
-                  <a:pt x="7090237" y="5759451"/>
+                  <a:pt x="12192000" y="4225290"/>
                 </a:lnTo>
                 <a:lnTo>
-                  <a:pt x="0" y="5759451"/>
+                  <a:pt x="0" y="4225290"/>
                 </a:lnTo>
                 <a:close/>
               </a:path>
@@ -9116,6 +9405,82 @@
           </a:custGeom>
         </p:spPr>
       </p:pic>
+      <p:sp>
+        <p:nvSpPr>
+          <p:cNvPr id="141" name="Rectangle 140">
+            <a:extLst>
+              <a:ext uri="{FF2B5EF4-FFF2-40B4-BE49-F238E27FC236}">
+                <a16:creationId xmlns:a16="http://schemas.microsoft.com/office/drawing/2014/main" id="{28B56926-F216-4281-9196-1495BD306129}"/>
+              </a:ext>
+              <a:ext uri="{C183D7F6-B498-43B3-948B-1728B52AA6E4}">
+                <adec:decorative xmlns:adec="http://schemas.microsoft.com/office/drawing/2017/decorative" val="1"/>
+              </a:ext>
+            </a:extLst>
+          </p:cNvPr>
+          <p:cNvSpPr>
+            <a:spLocks noGrp="1" noRot="1" noChangeAspect="1" noMove="1" noResize="1" noEditPoints="1" noAdjustHandles="1" noChangeArrowheads="1" noChangeShapeType="1" noTextEdit="1"/>
+          </p:cNvSpPr>
+          <p:nvPr>
+            <p:extLst>
+              <p:ext uri="{386F3935-93C4-4BCD-93E2-E3B085C9AB24}">
+                <p16:designElem xmlns:p16="http://schemas.microsoft.com/office/powerpoint/2015/main" val="1"/>
+              </p:ext>
+            </p:extLst>
+          </p:nvPr>
+        </p:nvSpPr>
+        <p:spPr>
+          <a:xfrm>
+            <a:off x="0" y="5773729"/>
+            <a:ext cx="12192000" cy="1084271"/>
+          </a:xfrm>
+          <a:prstGeom prst="rect">
+            <a:avLst/>
+          </a:prstGeom>
+          <a:gradFill flip="none" rotWithShape="1">
+            <a:gsLst>
+              <a:gs pos="90000">
+                <a:schemeClr val="bg2">
+                  <a:alpha val="60000"/>
+                </a:schemeClr>
+              </a:gs>
+              <a:gs pos="28000">
+                <a:schemeClr val="bg2">
+                  <a:alpha val="0"/>
+                </a:schemeClr>
+              </a:gs>
+            </a:gsLst>
+            <a:lin ang="5400000" scaled="0"/>
+            <a:tileRect/>
+          </a:gradFill>
+          <a:ln>
+            <a:noFill/>
+          </a:ln>
+        </p:spPr>
+        <p:style>
+          <a:lnRef idx="2">
+            <a:schemeClr val="accent1">
+              <a:shade val="50000"/>
+            </a:schemeClr>
+          </a:lnRef>
+          <a:fillRef idx="1">
+            <a:schemeClr val="accent1"/>
+          </a:fillRef>
+          <a:effectRef idx="0">
+            <a:schemeClr val="accent1"/>
+          </a:effectRef>
+          <a:fontRef idx="minor">
+            <a:schemeClr val="lt1"/>
+          </a:fontRef>
+        </p:style>
+        <p:txBody>
+          <a:bodyPr rtlCol="0" anchor="ctr"/>
+          <a:lstStyle/>
+          <a:p>
+            <a:pPr algn="ctr"/>
+            <a:endParaRPr lang="en-US"/>
+          </a:p>
+        </p:txBody>
+      </p:sp>
       <p:sp>
         <p:nvSpPr>
           <p:cNvPr id="2" name="TextBox 1">
@@ -9177,6 +9542,38 @@
           <a:lstStyle/>
           <a:p>
             <a:endParaRPr lang="en-DE" dirty="0"/>
+          </a:p>
+        </p:txBody>
+      </p:sp>
+      <p:sp>
+        <p:nvSpPr>
+          <p:cNvPr id="9" name="TextBox 8">
+            <a:extLst>
+              <a:ext uri="{FF2B5EF4-FFF2-40B4-BE49-F238E27FC236}">
+                <a16:creationId xmlns:a16="http://schemas.microsoft.com/office/drawing/2014/main" id="{05084626-FC6F-4E43-8C64-EBD990D3FAB7}"/>
+              </a:ext>
+            </a:extLst>
+          </p:cNvPr>
+          <p:cNvSpPr txBox="1"/>
+          <p:nvPr/>
+        </p:nvSpPr>
+        <p:spPr>
+          <a:xfrm>
+            <a:off x="11094720" y="807720"/>
+            <a:ext cx="184731" cy="369332"/>
+          </a:xfrm>
+          <a:prstGeom prst="rect">
+            <a:avLst/>
+          </a:prstGeom>
+          <a:noFill/>
+        </p:spPr>
+        <p:txBody>
+          <a:bodyPr wrap="none" rtlCol="0">
+            <a:spAutoFit/>
+          </a:bodyPr>
+          <a:lstStyle/>
+          <a:p>
+            <a:endParaRPr lang="en-DE"/>
           </a:p>
         </p:txBody>
       </p:sp>
